--- a/slides/flink_batch_advanced.pptx
+++ b/slides/flink_batch_advanced.pptx
@@ -160,7 +160,7 @@
   </p:defaultTextStyle>
   <p:extLst>
     <p:ext uri="{EFAFB233-063F-42B5-8137-9DF3F51BA10A}">
-      <p15:sldGuideLst xmlns:p15="http://schemas.microsoft.com/office/powerpoint/2012/main" xmlns="">
+      <p15:sldGuideLst xmlns="" xmlns:p15="http://schemas.microsoft.com/office/powerpoint/2012/main">
         <p15:guide id="1" orient="horz" pos="2160">
           <p15:clr>
             <a:srgbClr val="A4A3A4"/>
@@ -259,7 +259,7 @@
           <a:p>
             <a:fld id="{F01141F9-3E73-7448-86C2-E96D93FE379F}" type="datetimeFigureOut">
               <a:rPr lang="en-US" smtClean="0"/>
-              <a:t>01/06/15</a:t>
+              <a:t>02/06/15</a:t>
             </a:fld>
             <a:endParaRPr lang="en-US"/>
           </a:p>
@@ -4307,11 +4307,7 @@
           <a:p>
             <a:r>
               <a:rPr lang="en-US" dirty="0" smtClean="0"/>
-              <a:t>Why should I care about </a:t>
-            </a:r>
-            <a:r>
-              <a:rPr lang="en-US" dirty="0" smtClean="0"/>
-              <a:t>that?</a:t>
+              <a:t>Why should I care about that?</a:t>
             </a:r>
             <a:endParaRPr lang="en-US" dirty="0"/>
           </a:p>
@@ -4336,11 +4332,7 @@
           <a:p>
             <a:r>
               <a:rPr lang="en-US" dirty="0" smtClean="0"/>
-              <a:t>Understand the </a:t>
-            </a:r>
-            <a:r>
-              <a:rPr lang="en-US" dirty="0" smtClean="0"/>
-              <a:t>error messages</a:t>
+              <a:t>Understand the error messages</a:t>
             </a:r>
           </a:p>
           <a:p>
@@ -4351,17 +4343,12 @@
               <a:rPr lang="en-US" dirty="0" smtClean="0"/>
               <a:t>Programs efficiency &amp; performance</a:t>
             </a:r>
-            <a:endParaRPr lang="en-US" dirty="0" smtClean="0"/>
           </a:p>
           <a:p>
             <a:pPr lvl="1"/>
             <a:r>
               <a:rPr lang="en-US" dirty="0" smtClean="0"/>
-              <a:t>Flink native types vs.</a:t>
-            </a:r>
-            <a:r>
-              <a:rPr lang="en-US" dirty="0" smtClean="0"/>
-              <a:t> </a:t>
+              <a:t>Flink native types vs. </a:t>
             </a:r>
             <a:r>
               <a:rPr lang="en-US" dirty="0"/>
@@ -4371,7 +4358,6 @@
               <a:rPr lang="en-US" dirty="0" smtClean="0"/>
               <a:t>types</a:t>
             </a:r>
-            <a:endParaRPr lang="en-US" dirty="0" smtClean="0"/>
           </a:p>
           <a:p>
             <a:endParaRPr lang="en-US" dirty="0" smtClean="0"/>
@@ -4387,7 +4373,11 @@
             </a:r>
             <a:r>
               <a:rPr lang="en-US" dirty="0" smtClean="0"/>
-              <a:t>use &amp; Developer </a:t>
+              <a:t>use &amp; </a:t>
+            </a:r>
+            <a:r>
+              <a:rPr lang="en-US" dirty="0" smtClean="0"/>
+              <a:t>developer </a:t>
             </a:r>
             <a:r>
               <a:rPr lang="en-US" dirty="0"/>
@@ -4635,11 +4625,7 @@
           <a:p>
             <a:r>
               <a:rPr lang="en-US" dirty="0" smtClean="0"/>
-              <a:t>Keyed </a:t>
-            </a:r>
-            <a:r>
-              <a:rPr lang="en-US" dirty="0" smtClean="0"/>
-              <a:t>Operations</a:t>
+              <a:t>Keyed Operations</a:t>
             </a:r>
             <a:endParaRPr lang="en-US" dirty="0"/>
           </a:p>
@@ -4669,11 +4655,7 @@
           <a:p>
             <a:r>
               <a:rPr lang="en-US" dirty="0" smtClean="0"/>
-              <a:t>Flink g</a:t>
-            </a:r>
-            <a:r>
-              <a:rPr lang="en-US" dirty="0" smtClean="0"/>
-              <a:t>roups, sorts &amp; joins data for you</a:t>
+              <a:t>Flink groups, sorts &amp; joins data for you</a:t>
             </a:r>
           </a:p>
           <a:p>
@@ -4709,7 +4691,6 @@
               <a:rPr lang="en-US" dirty="0" smtClean="0"/>
               <a:t>Composite keys also supported</a:t>
             </a:r>
-            <a:endParaRPr lang="en-US" dirty="0" smtClean="0"/>
           </a:p>
           <a:p>
             <a:endParaRPr lang="en-US" dirty="0" smtClean="0"/>
@@ -4936,14 +4917,7 @@
                 <a:latin typeface="Menlo Regular"/>
                 <a:cs typeface="Menlo Regular"/>
               </a:rPr>
-              <a:t>&lt;Tuple2</a:t>
-            </a:r>
-            <a:r>
-              <a:rPr lang="en-US" sz="2200" dirty="0" smtClean="0">
-                <a:latin typeface="Menlo Regular"/>
-                <a:cs typeface="Menlo Regular"/>
-              </a:rPr>
-              <a:t>&lt;Person, Integer&gt;</a:t>
+              <a:t>&lt;Tuple2&lt;Person, Integer&gt;</a:t>
             </a:r>
             <a:r>
               <a:rPr lang="en-US" sz="2200" dirty="0">
@@ -5406,13 +5380,6 @@
               </a:rPr>
               <a:t>&lt;Integer&gt;</a:t>
             </a:r>
-            <a:endParaRPr lang="en-US" sz="2400" b="1" dirty="0" smtClean="0">
-              <a:solidFill>
-                <a:srgbClr val="FF0000"/>
-              </a:solidFill>
-              <a:latin typeface="Menlo Regular"/>
-              <a:cs typeface="Menlo Regular"/>
-            </a:endParaRPr>
           </a:p>
         </p:txBody>
       </p:sp>
@@ -5600,14 +5567,7 @@
                 <a:latin typeface="Menlo Regular"/>
                 <a:cs typeface="Menlo Regular"/>
               </a:rPr>
-              <a:t>&lt;Tuple2</a:t>
-            </a:r>
-            <a:r>
-              <a:rPr lang="en-US" sz="2200" dirty="0" smtClean="0">
-                <a:latin typeface="Menlo Regular"/>
-                <a:cs typeface="Menlo Regular"/>
-              </a:rPr>
-              <a:t>&lt;Person, Integer&gt;</a:t>
+              <a:t>&lt;Tuple2&lt;Person, Integer&gt;</a:t>
             </a:r>
             <a:r>
               <a:rPr lang="en-US" sz="2200" dirty="0">
@@ -6058,13 +6018,6 @@
               </a:rPr>
               <a:t>&lt;Integer&gt;</a:t>
             </a:r>
-            <a:endParaRPr lang="en-US" sz="2400" b="1" dirty="0" smtClean="0">
-              <a:solidFill>
-                <a:srgbClr val="FF0000"/>
-              </a:solidFill>
-              <a:latin typeface="Menlo Regular"/>
-              <a:cs typeface="Menlo Regular"/>
-            </a:endParaRPr>
           </a:p>
         </p:txBody>
       </p:sp>
@@ -6271,14 +6224,7 @@
                 <a:latin typeface="Menlo Regular"/>
                 <a:cs typeface="Menlo Regular"/>
               </a:rPr>
-              <a:t>&lt;Tuple2</a:t>
-            </a:r>
-            <a:r>
-              <a:rPr lang="en-US" sz="2200" dirty="0" smtClean="0">
-                <a:latin typeface="Menlo Regular"/>
-                <a:cs typeface="Menlo Regular"/>
-              </a:rPr>
-              <a:t>&lt;Person, Integer&gt;</a:t>
+              <a:t>&lt;Tuple2&lt;Person, Integer&gt;</a:t>
             </a:r>
             <a:r>
               <a:rPr lang="en-US" sz="2200" dirty="0">
@@ -6329,11 +6275,11 @@
               <a:t>(</a:t>
             </a:r>
             <a:r>
-              <a:rPr lang="en-US" sz="2200" b="1" dirty="0">
-                <a:latin typeface="Menlo Regular"/>
-                <a:cs typeface="Menlo Regular"/>
-              </a:rPr>
-              <a:t>0</a:t>
+              <a:rPr lang="en-US" sz="2200" b="1" dirty="0" smtClean="0">
+                <a:latin typeface="Menlo Regular"/>
+                <a:cs typeface="Menlo Regular"/>
+              </a:rPr>
+              <a:t>“f0”</a:t>
             </a:r>
             <a:r>
               <a:rPr lang="en-US" sz="2200" dirty="0" smtClean="0">
@@ -6729,13 +6675,6 @@
               </a:rPr>
               <a:t>&lt;Integer&gt;</a:t>
             </a:r>
-            <a:endParaRPr lang="en-US" sz="2400" dirty="0" smtClean="0">
-              <a:solidFill>
-                <a:srgbClr val="FF0000"/>
-              </a:solidFill>
-              <a:latin typeface="Menlo Regular"/>
-              <a:cs typeface="Menlo Regular"/>
-            </a:endParaRPr>
           </a:p>
         </p:txBody>
       </p:sp>
@@ -6937,14 +6876,7 @@
                 <a:latin typeface="Menlo Regular"/>
                 <a:cs typeface="Menlo Regular"/>
               </a:rPr>
-              <a:t>&lt;Tuple2</a:t>
-            </a:r>
-            <a:r>
-              <a:rPr lang="en-US" sz="2200" dirty="0" smtClean="0">
-                <a:latin typeface="Menlo Regular"/>
-                <a:cs typeface="Menlo Regular"/>
-              </a:rPr>
-              <a:t>&lt;Person, Integer&gt;</a:t>
+              <a:t>&lt;Tuple2&lt;Person, Integer&gt;</a:t>
             </a:r>
             <a:r>
               <a:rPr lang="en-US" sz="2200" dirty="0">
@@ -7401,10 +7333,6 @@
               </a:rPr>
               <a:t>&lt;Integer&gt;</a:t>
             </a:r>
-            <a:endParaRPr lang="en-US" sz="2400" dirty="0" smtClean="0">
-              <a:latin typeface="Menlo Regular"/>
-              <a:cs typeface="Menlo Regular"/>
-            </a:endParaRPr>
           </a:p>
         </p:txBody>
       </p:sp>
@@ -7614,14 +7542,7 @@
                 <a:latin typeface="Menlo Regular"/>
                 <a:cs typeface="Menlo Regular"/>
               </a:rPr>
-              <a:t>&lt;Tuple2</a:t>
-            </a:r>
-            <a:r>
-              <a:rPr lang="en-US" sz="2200" dirty="0" smtClean="0">
-                <a:latin typeface="Menlo Regular"/>
-                <a:cs typeface="Menlo Regular"/>
-              </a:rPr>
-              <a:t>&lt;Person, Integer&gt;</a:t>
+              <a:t>&lt;Tuple2&lt;Person, Integer&gt;</a:t>
             </a:r>
             <a:r>
               <a:rPr lang="en-US" sz="2200" dirty="0">
@@ -8110,13 +8031,6 @@
               </a:rPr>
               <a:t>&lt;Integer&gt;</a:t>
             </a:r>
-            <a:endParaRPr lang="en-US" sz="2400" b="1" dirty="0" smtClean="0">
-              <a:solidFill>
-                <a:srgbClr val="FF0000"/>
-              </a:solidFill>
-              <a:latin typeface="Menlo Regular"/>
-              <a:cs typeface="Menlo Regular"/>
-            </a:endParaRPr>
           </a:p>
         </p:txBody>
       </p:sp>
@@ -8304,14 +8218,7 @@
                 <a:latin typeface="Menlo Regular"/>
                 <a:cs typeface="Menlo Regular"/>
               </a:rPr>
-              <a:t>&lt;Tuple2</a:t>
-            </a:r>
-            <a:r>
-              <a:rPr lang="en-US" sz="2200" dirty="0" smtClean="0">
-                <a:latin typeface="Menlo Regular"/>
-                <a:cs typeface="Menlo Regular"/>
-              </a:rPr>
-              <a:t>&lt;Person, Integer&gt;</a:t>
+              <a:t>&lt;Tuple2&lt;Person, Integer&gt;</a:t>
             </a:r>
             <a:r>
               <a:rPr lang="en-US" sz="2200" dirty="0">
@@ -8522,14 +8429,7 @@
                 <a:latin typeface="Menlo Regular"/>
                 <a:cs typeface="Menlo Regular"/>
               </a:rPr>
-              <a:t> } }</a:t>
-            </a:r>
-            <a:r>
-              <a:rPr lang="en-US" sz="2000" dirty="0" smtClean="0">
-                <a:latin typeface="Menlo Regular"/>
-                <a:cs typeface="Menlo Regular"/>
-              </a:rPr>
-              <a:t>);</a:t>
+              <a:t> } });</a:t>
             </a:r>
             <a:endParaRPr lang="en-US" sz="2000" dirty="0">
               <a:latin typeface="Menlo Regular"/>
@@ -8889,13 +8789,6 @@
               </a:rPr>
               <a:t>&lt;Integer&gt;</a:t>
             </a:r>
-            <a:endParaRPr lang="en-US" sz="2400" b="1" dirty="0" smtClean="0">
-              <a:solidFill>
-                <a:srgbClr val="FF0000"/>
-              </a:solidFill>
-              <a:latin typeface="Menlo Regular"/>
-              <a:cs typeface="Menlo Regular"/>
-            </a:endParaRPr>
           </a:p>
         </p:txBody>
       </p:sp>
@@ -9083,14 +8976,7 @@
                 <a:latin typeface="Menlo Regular"/>
                 <a:cs typeface="Menlo Regular"/>
               </a:rPr>
-              <a:t>&lt;Tuple2</a:t>
-            </a:r>
-            <a:r>
-              <a:rPr lang="en-US" sz="2200" dirty="0" smtClean="0">
-                <a:latin typeface="Menlo Regular"/>
-                <a:cs typeface="Menlo Regular"/>
-              </a:rPr>
-              <a:t>&lt;Person, Integer&gt;</a:t>
+              <a:t>&lt;Tuple2&lt;Person, Integer&gt;</a:t>
             </a:r>
             <a:r>
               <a:rPr lang="en-US" sz="2200" dirty="0">
@@ -9559,13 +9445,6 @@
               </a:rPr>
               <a:t>&lt;Integer&gt;</a:t>
             </a:r>
-            <a:endParaRPr lang="en-US" sz="2400" b="1" dirty="0" smtClean="0">
-              <a:solidFill>
-                <a:srgbClr val="FF0000"/>
-              </a:solidFill>
-              <a:latin typeface="Menlo Regular"/>
-              <a:cs typeface="Menlo Regular"/>
-            </a:endParaRPr>
           </a:p>
         </p:txBody>
       </p:sp>
@@ -9661,11 +9540,7 @@
             </a:r>
             <a:r>
               <a:rPr lang="en-US" dirty="0" smtClean="0"/>
-              <a:t> Type </a:t>
-            </a:r>
-            <a:r>
-              <a:rPr lang="en-US" dirty="0" smtClean="0"/>
-              <a:t>System</a:t>
+              <a:t> Type System</a:t>
             </a:r>
             <a:endParaRPr lang="en-US" dirty="0"/>
           </a:p>
@@ -9788,11 +9663,7 @@
           <a:p>
             <a:r>
               <a:rPr lang="en-US" dirty="0" smtClean="0"/>
-              <a:t>Getting </a:t>
-            </a:r>
-            <a:r>
-              <a:rPr lang="en-US" dirty="0" smtClean="0"/>
-              <a:t>data in and out</a:t>
+              <a:t>Getting data in and out</a:t>
             </a:r>
             <a:endParaRPr lang="en-US" dirty="0"/>
           </a:p>
@@ -9881,15 +9752,7 @@
           <a:p>
             <a:r>
               <a:rPr lang="en-US" dirty="0" smtClean="0"/>
-              <a:t>Supported </a:t>
-            </a:r>
-            <a:r>
-              <a:rPr lang="en-US" dirty="0" smtClean="0"/>
-              <a:t>File </a:t>
-            </a:r>
-            <a:r>
-              <a:rPr lang="en-US" dirty="0" smtClean="0"/>
-              <a:t>Systems</a:t>
+              <a:t>Supported File Systems</a:t>
             </a:r>
             <a:endParaRPr lang="en-US" dirty="0"/>
           </a:p>
@@ -9969,26 +9832,14 @@
           <a:p>
             <a:r>
               <a:rPr lang="en-US" dirty="0" smtClean="0"/>
-              <a:t>Support </a:t>
-            </a:r>
+              <a:t>Support for all Hadoop File Systems</a:t>
+            </a:r>
+          </a:p>
+          <a:p>
+            <a:pPr lvl="1"/>
             <a:r>
               <a:rPr lang="en-US" dirty="0" smtClean="0"/>
-              <a:t>for all Hadoop File Systems</a:t>
-            </a:r>
-          </a:p>
-          <a:p>
-            <a:pPr lvl="1"/>
-            <a:r>
-              <a:rPr lang="en-US" dirty="0" smtClean="0"/>
-              <a:t>NFS, </a:t>
-            </a:r>
-            <a:r>
-              <a:rPr lang="en-US" dirty="0" smtClean="0"/>
-              <a:t>Tachyon, </a:t>
-            </a:r>
-            <a:r>
-              <a:rPr lang="en-US" dirty="0" smtClean="0"/>
-              <a:t>FTP, </a:t>
+              <a:t>NFS, Tachyon, FTP, </a:t>
             </a:r>
             <a:r>
               <a:rPr lang="en-US" dirty="0" err="1" smtClean="0"/>
@@ -10125,13 +9976,6 @@
               </a:rPr>
               <a:t>(recursive directory scans supported)</a:t>
             </a:r>
-            <a:endParaRPr lang="en-US" sz="2800" dirty="0" smtClean="0">
-              <a:solidFill>
-                <a:schemeClr val="bg1">
-                  <a:lumMod val="50000"/>
-                </a:schemeClr>
-              </a:solidFill>
-            </a:endParaRPr>
           </a:p>
           <a:p>
             <a:pPr lvl="1"/>
@@ -10263,13 +10107,6 @@
               </a:rPr>
               <a:t>(Read result of SQL query)</a:t>
             </a:r>
-            <a:endParaRPr lang="en-US" sz="2800" dirty="0" smtClean="0">
-              <a:solidFill>
-                <a:schemeClr val="bg1">
-                  <a:lumMod val="50000"/>
-                </a:schemeClr>
-              </a:solidFill>
-            </a:endParaRPr>
           </a:p>
           <a:p>
             <a:r>
@@ -10279,10 +10116,6 @@
             <a:r>
               <a:rPr lang="en-US" dirty="0" smtClean="0"/>
               <a:t>  </a:t>
-            </a:r>
-            <a:r>
-              <a:rPr lang="en-US" dirty="0" smtClean="0"/>
-              <a:t/>
             </a:r>
             <a:br>
               <a:rPr lang="en-US" dirty="0" smtClean="0"/>
@@ -10295,27 +10128,7 @@
                   </a:schemeClr>
                 </a:solidFill>
               </a:rPr>
-              <a:t>(</a:t>
-            </a:r>
-            <a:r>
-              <a:rPr lang="en-US" sz="2800" dirty="0" smtClean="0">
-                <a:solidFill>
-                  <a:schemeClr val="bg1">
-                    <a:lumMod val="50000"/>
-                  </a:schemeClr>
-                </a:solidFill>
-              </a:rPr>
-              <a:t>Use any </a:t>
-            </a:r>
-            <a:r>
-              <a:rPr lang="en-US" sz="2800" dirty="0" smtClean="0">
-                <a:solidFill>
-                  <a:schemeClr val="bg1">
-                    <a:lumMod val="50000"/>
-                  </a:schemeClr>
-                </a:solidFill>
-              </a:rPr>
-              <a:t>Hadoop </a:t>
+              <a:t>(Use any Hadoop </a:t>
             </a:r>
             <a:r>
               <a:rPr lang="en-US" sz="2800" dirty="0" err="1" smtClean="0">
@@ -10499,17 +10312,12 @@
               <a:rPr lang="en-US" dirty="0" smtClean="0"/>
               <a:t>Apache ORC</a:t>
             </a:r>
-            <a:endParaRPr lang="en-US" dirty="0" smtClean="0"/>
           </a:p>
           <a:p>
             <a:pPr lvl="1"/>
             <a:r>
               <a:rPr lang="en-US" dirty="0" smtClean="0"/>
-              <a:t>Apache Kafka </a:t>
-            </a:r>
-            <a:r>
-              <a:rPr lang="en-US" dirty="0" smtClean="0"/>
-              <a:t>(for batch)</a:t>
+              <a:t>Apache Kafka (for batch)</a:t>
             </a:r>
           </a:p>
           <a:p>
@@ -10524,11 +10332,7 @@
             </a:r>
             <a:r>
               <a:rPr lang="en-US" dirty="0" smtClean="0"/>
-              <a:t>, .zip, ...</a:t>
-            </a:r>
-            <a:r>
-              <a:rPr lang="en-US" dirty="0" smtClean="0"/>
-              <a:t>)</a:t>
+              <a:t>, .zip, ...)</a:t>
             </a:r>
           </a:p>
           <a:p>
@@ -10665,7 +10469,7 @@
         </p:spPr>
         <p:txBody>
           <a:bodyPr>
-            <a:normAutofit fontScale="92500" lnSpcReduction="10000"/>
+            <a:normAutofit fontScale="92500" lnSpcReduction="20000"/>
           </a:bodyPr>
           <a:lstStyle/>
           <a:p>
@@ -10705,8 +10509,24 @@
                 <a:latin typeface="Menlo Regular"/>
                 <a:cs typeface="Menlo Regular"/>
               </a:rPr>
-              <a:t>= …</a:t>
-            </a:r>
+              <a:t>= </a:t>
+            </a:r>
+            <a:r>
+              <a:rPr lang="en-US" sz="2800" dirty="0" smtClean="0">
+                <a:latin typeface="Menlo Regular"/>
+                <a:cs typeface="Menlo Regular"/>
+              </a:rPr>
+              <a:t>…</a:t>
+            </a:r>
+          </a:p>
+          <a:p>
+            <a:pPr marL="0" indent="0">
+              <a:buNone/>
+            </a:pPr>
+            <a:endParaRPr lang="en-US" sz="2800" dirty="0" smtClean="0">
+              <a:latin typeface="Menlo Regular"/>
+              <a:cs typeface="Menlo Regular"/>
+            </a:endParaRPr>
           </a:p>
           <a:p>
             <a:pPr marL="0" indent="0">
@@ -11185,7 +11005,6 @@
               <a:rPr lang="en-US" dirty="0" smtClean="0"/>
               <a:t>Combine</a:t>
             </a:r>
-            <a:endParaRPr lang="en-US" dirty="0" smtClean="0"/>
           </a:p>
           <a:p>
             <a:pPr fontAlgn="base"/>
@@ -11319,7 +11138,6 @@
               <a:rPr lang="en-US" dirty="0"/>
               <a:t> (Hadoop-style)</a:t>
             </a:r>
-            <a:endParaRPr lang="en-US" dirty="0"/>
           </a:p>
         </p:txBody>
       </p:sp>
@@ -11723,17 +11541,7 @@
                 <a:latin typeface="Menlo Regular"/>
                 <a:cs typeface="Menlo Regular"/>
               </a:rPr>
-              <a:t>void </a:t>
-            </a:r>
-            <a:r>
-              <a:rPr lang="en-US" sz="2000" dirty="0" smtClean="0">
-                <a:solidFill>
-                  <a:srgbClr val="000000"/>
-                </a:solidFill>
-                <a:latin typeface="Menlo Regular"/>
-                <a:cs typeface="Menlo Regular"/>
-              </a:rPr>
-              <a:t>reduce(</a:t>
+              <a:t>void reduce(</a:t>
             </a:r>
             <a:r>
               <a:rPr lang="de-DE" altLang="de-DE" sz="2000" dirty="0" err="1">
@@ -13625,17 +13433,7 @@
                 <a:latin typeface="Menlo Regular"/>
                 <a:cs typeface="Menlo Regular"/>
               </a:rPr>
-              <a:t>&gt; </a:t>
-            </a:r>
-            <a:r>
-              <a:rPr lang="en-US" sz="2000" dirty="0" smtClean="0">
-                <a:solidFill>
-                  <a:srgbClr val="000000"/>
-                </a:solidFill>
-                <a:latin typeface="Menlo Regular"/>
-                <a:cs typeface="Menlo Regular"/>
-              </a:rPr>
-              <a:t>reduce(</a:t>
+              <a:t>&gt; reduce(</a:t>
             </a:r>
           </a:p>
           <a:p>
@@ -13670,17 +13468,7 @@
                 <a:latin typeface="Menlo Regular"/>
                 <a:cs typeface="Menlo Regular"/>
               </a:rPr>
-              <a:t>&gt; </a:t>
-            </a:r>
-            <a:r>
-              <a:rPr lang="en-US" sz="2000" dirty="0" smtClean="0">
-                <a:solidFill>
-                  <a:srgbClr val="000000"/>
-                </a:solidFill>
-                <a:latin typeface="Menlo Regular"/>
-                <a:cs typeface="Menlo Regular"/>
-              </a:rPr>
-              <a:t>v1, </a:t>
+              <a:t>&gt; v1, </a:t>
             </a:r>
             <a:br>
               <a:rPr lang="en-US" sz="2000" dirty="0" smtClean="0">
@@ -13699,7 +13487,17 @@
                 <a:latin typeface="Menlo Regular"/>
                 <a:cs typeface="Menlo Regular"/>
               </a:rPr>
-              <a:t>                      </a:t>
+              <a:t>                      Tuple2&lt;</a:t>
+            </a:r>
+            <a:r>
+              <a:rPr lang="en-US" sz="2000" dirty="0" err="1" smtClean="0">
+                <a:solidFill>
+                  <a:srgbClr val="000000"/>
+                </a:solidFill>
+                <a:latin typeface="Menlo Regular"/>
+                <a:cs typeface="Menlo Regular"/>
+              </a:rPr>
+              <a:t>Long,Long</a:t>
             </a:r>
             <a:r>
               <a:rPr lang="en-US" sz="2000" dirty="0" smtClean="0">
@@ -13709,37 +13507,7 @@
                 <a:latin typeface="Menlo Regular"/>
                 <a:cs typeface="Menlo Regular"/>
               </a:rPr>
-              <a:t>Tuple2&lt;</a:t>
-            </a:r>
-            <a:r>
-              <a:rPr lang="en-US" sz="2000" dirty="0" err="1" smtClean="0">
-                <a:solidFill>
-                  <a:srgbClr val="000000"/>
-                </a:solidFill>
-                <a:latin typeface="Menlo Regular"/>
-                <a:cs typeface="Menlo Regular"/>
-              </a:rPr>
-              <a:t>Long,Long</a:t>
-            </a:r>
-            <a:r>
-              <a:rPr lang="en-US" sz="2000" dirty="0" smtClean="0">
-                <a:solidFill>
-                  <a:srgbClr val="000000"/>
-                </a:solidFill>
-                <a:latin typeface="Menlo Regular"/>
-                <a:cs typeface="Menlo Regular"/>
-              </a:rPr>
-              <a:t>&gt; v2</a:t>
-            </a:r>
-            <a:r>
-              <a:rPr lang="en-US" sz="2000" dirty="0" smtClean="0">
-                <a:solidFill>
-                  <a:srgbClr val="000000"/>
-                </a:solidFill>
-                <a:latin typeface="Menlo Regular"/>
-                <a:cs typeface="Menlo Regular"/>
-              </a:rPr>
-              <a:t>) {</a:t>
+              <a:t>&gt; v2) {</a:t>
             </a:r>
           </a:p>
           <a:p>
@@ -14019,17 +13787,8 @@
           <a:p>
             <a:r>
               <a:rPr lang="en-US" dirty="0" smtClean="0"/>
-              <a:t>Custom </a:t>
-            </a:r>
-            <a:r>
-              <a:rPr lang="en-US" dirty="0" smtClean="0"/>
-              <a:t>type serialization </a:t>
-            </a:r>
-            <a:r>
-              <a:rPr lang="en-US" dirty="0" smtClean="0"/>
-              <a:t>framework</a:t>
-            </a:r>
-            <a:endParaRPr lang="en-US" dirty="0" smtClean="0"/>
+              <a:t>Custom type serialization framework</a:t>
+            </a:r>
           </a:p>
           <a:p>
             <a:pPr marL="0" indent="0" algn="ctr">
@@ -14037,17 +13796,8 @@
             </a:pPr>
             <a:r>
               <a:rPr lang="en-US" sz="2800" i="1" dirty="0" smtClean="0"/>
-              <a:t>	“Serialization </a:t>
-            </a:r>
-            <a:r>
-              <a:rPr lang="en-US" sz="2800" i="1" dirty="0" smtClean="0"/>
-              <a:t>is the process of turning a Java object into a binary </a:t>
-            </a:r>
-            <a:r>
-              <a:rPr lang="en-US" sz="2800" i="1" dirty="0" smtClean="0"/>
-              <a:t>representation”</a:t>
-            </a:r>
-            <a:endParaRPr lang="en-US" sz="2800" i="1" dirty="0" smtClean="0"/>
+              <a:t>	“Serialization is the process of turning a Java object into a binary representation”</a:t>
+            </a:r>
           </a:p>
           <a:p>
             <a:endParaRPr lang="en-US" dirty="0" smtClean="0"/>
@@ -14055,11 +13805,7 @@
           <a:p>
             <a:r>
               <a:rPr lang="en-US" dirty="0" smtClean="0"/>
-              <a:t>Many existing serialization frameworks</a:t>
-            </a:r>
-            <a:r>
-              <a:rPr lang="en-US" dirty="0" smtClean="0"/>
-              <a:t>:</a:t>
+              <a:t>Many existing serialization frameworks:</a:t>
             </a:r>
           </a:p>
           <a:p>
@@ -14070,13 +13816,8 @@
             </a:r>
             <a:r>
               <a:rPr lang="en-US" dirty="0" smtClean="0"/>
-              <a:t>, Google Protocol Buffers, Apache </a:t>
-            </a:r>
-            <a:r>
-              <a:rPr lang="en-US" dirty="0" smtClean="0"/>
-              <a:t>Thrift</a:t>
-            </a:r>
-            <a:endParaRPr lang="en-US" dirty="0" smtClean="0"/>
+              <a:t>, Google Protocol Buffers, Apache Thrift</a:t>
+            </a:r>
           </a:p>
           <a:p>
             <a:endParaRPr lang="en-US" dirty="0" smtClean="0"/>
@@ -14110,11 +13851,7 @@
             </a:r>
             <a:r>
               <a:rPr lang="en-US" dirty="0" smtClean="0"/>
-              <a:t> for </a:t>
-            </a:r>
-            <a:r>
-              <a:rPr lang="en-US" dirty="0" smtClean="0"/>
-              <a:t>data types</a:t>
+              <a:t> for data types</a:t>
             </a:r>
           </a:p>
           <a:p>
@@ -14665,10 +14402,6 @@
               </a:rPr>
               <a:t>System can apply more optimizations</a:t>
             </a:r>
-            <a:endParaRPr lang="en-US" sz="2400" dirty="0" smtClean="0">
-              <a:latin typeface="Avenir Next Regular"/>
-              <a:cs typeface="Avenir Next Regular"/>
-            </a:endParaRPr>
           </a:p>
         </p:txBody>
       </p:sp>
@@ -14803,7 +14536,6 @@
               <a:rPr lang="en-US" sz="3000" dirty="0" smtClean="0"/>
               <a:t>Enables outer joins</a:t>
             </a:r>
-            <a:endParaRPr lang="en-US" sz="3000" dirty="0" smtClean="0"/>
           </a:p>
         </p:txBody>
       </p:sp>
@@ -18844,7 +18576,11 @@
           <a:bodyPr/>
           <a:lstStyle/>
           <a:p>
-            <a:endParaRPr lang="en-US"/>
+            <a:r>
+              <a:rPr lang="en-US" dirty="0" smtClean="0"/>
+              <a:t>aka Secondary Sort</a:t>
+            </a:r>
+            <a:endParaRPr lang="en-US" dirty="0"/>
           </a:p>
         </p:txBody>
       </p:sp>
@@ -19009,29 +18745,15 @@
             </a:r>
             <a:r>
               <a:rPr lang="en-US" dirty="0" smtClean="0"/>
-              <a:t> is sent </a:t>
-            </a:r>
+              <a:t> is sent to one machine </a:t>
+            </a:r>
+          </a:p>
+          <a:p>
+            <a:pPr lvl="1"/>
             <a:r>
               <a:rPr lang="en-US" dirty="0" smtClean="0"/>
-              <a:t>to one machine </a:t>
-            </a:r>
-            <a:endParaRPr lang="en-US" dirty="0" smtClean="0"/>
-          </a:p>
-          <a:p>
-            <a:pPr lvl="1"/>
-            <a:r>
-              <a:rPr lang="en-US" dirty="0" smtClean="0"/>
-              <a:t>Will </a:t>
-            </a:r>
-            <a:r>
-              <a:rPr lang="en-US" dirty="0" smtClean="0"/>
-              <a:t>automatically run with parallelism of </a:t>
-            </a:r>
-            <a:r>
-              <a:rPr lang="en-US" dirty="0" smtClean="0"/>
-              <a:t>1</a:t>
-            </a:r>
-            <a:endParaRPr lang="en-US" dirty="0" smtClean="0"/>
+              <a:t>Will automatically run with parallelism of 1</a:t>
+            </a:r>
           </a:p>
           <a:p>
             <a:endParaRPr lang="en-US" dirty="0" smtClean="0"/>
@@ -19057,7 +18779,6 @@
               <a:rPr lang="en-US" dirty="0" smtClean="0"/>
               <a:t>Make sure you have a Combiner</a:t>
             </a:r>
-            <a:endParaRPr lang="en-US" dirty="0" smtClean="0"/>
           </a:p>
         </p:txBody>
       </p:sp>
@@ -19285,30 +19006,14 @@
             </a:r>
             <a:r>
               <a:rPr lang="en-US" dirty="0" smtClean="0"/>
-              <a:t>nterfaces have only </a:t>
-            </a:r>
+              <a:t>nterfaces have only one method</a:t>
+            </a:r>
+          </a:p>
+          <a:p>
+            <a:pPr lvl="1"/>
             <a:r>
               <a:rPr lang="en-US" dirty="0" smtClean="0"/>
-              <a:t>one</a:t>
-            </a:r>
-            <a:r>
-              <a:rPr lang="en-US" dirty="0" smtClean="0"/>
-              <a:t> method</a:t>
-            </a:r>
-          </a:p>
-          <a:p>
-            <a:pPr lvl="1"/>
-            <a:r>
-              <a:rPr lang="en-US" dirty="0" smtClean="0"/>
-              <a:t>Single </a:t>
-            </a:r>
-            <a:r>
-              <a:rPr lang="en-US" dirty="0" smtClean="0"/>
-              <a:t>abstract </a:t>
-            </a:r>
-            <a:r>
-              <a:rPr lang="en-US" dirty="0" smtClean="0"/>
-              <a:t>method (SAM)</a:t>
+              <a:t>Single abstract method (SAM)</a:t>
             </a:r>
           </a:p>
           <a:p>
@@ -19317,19 +19022,14 @@
               <a:rPr lang="en-US" dirty="0" smtClean="0"/>
               <a:t>Support for Java8 Lambda functions</a:t>
             </a:r>
+          </a:p>
+          <a:p>
             <a:endParaRPr lang="en-US" dirty="0" smtClean="0"/>
           </a:p>
           <a:p>
-            <a:endParaRPr lang="en-US" dirty="0" smtClean="0"/>
-          </a:p>
-          <a:p>
             <a:r>
               <a:rPr lang="en-US" dirty="0" smtClean="0"/>
-              <a:t>There </a:t>
-            </a:r>
-            <a:r>
-              <a:rPr lang="en-US" dirty="0" smtClean="0"/>
-              <a:t>is a “Rich” variant for each function.</a:t>
+              <a:t>There is a “Rich” variant for each function.</a:t>
             </a:r>
           </a:p>
           <a:p>
@@ -19349,7 +19049,6 @@
               <a:rPr lang="en-US" dirty="0" smtClean="0"/>
               <a:t>Additional methods</a:t>
             </a:r>
-            <a:endParaRPr lang="en-US" dirty="0" smtClean="0"/>
           </a:p>
           <a:p>
             <a:pPr lvl="2"/>
@@ -19358,14 +19057,7 @@
                 <a:latin typeface="Menlo Regular"/>
                 <a:cs typeface="Menlo Regular"/>
               </a:rPr>
-              <a:t>open(Configuration c</a:t>
-            </a:r>
-            <a:r>
-              <a:rPr lang="en-US" dirty="0" smtClean="0">
-                <a:latin typeface="Menlo Regular"/>
-                <a:cs typeface="Menlo Regular"/>
-              </a:rPr>
-              <a:t>)</a:t>
+              <a:t>open(Configuration c)</a:t>
             </a:r>
             <a:endParaRPr lang="en-US" dirty="0">
               <a:latin typeface="Menlo Regular"/>
@@ -19379,14 +19071,7 @@
                 <a:latin typeface="Menlo Regular"/>
                 <a:cs typeface="Menlo Regular"/>
               </a:rPr>
-              <a:t>close</a:t>
-            </a:r>
-            <a:r>
-              <a:rPr lang="en-US" dirty="0" smtClean="0">
-                <a:latin typeface="Menlo Regular"/>
-                <a:cs typeface="Menlo Regular"/>
-              </a:rPr>
-              <a:t>()</a:t>
+              <a:t>close()</a:t>
             </a:r>
           </a:p>
           <a:p>
@@ -19515,17 +19200,8 @@
             </a:r>
             <a:r>
               <a:rPr lang="en-US" dirty="0" smtClean="0"/>
-              <a:t> has </a:t>
-            </a:r>
-            <a:r>
-              <a:rPr lang="en-US" dirty="0" smtClean="0"/>
-              <a:t>useful </a:t>
-            </a:r>
-            <a:r>
-              <a:rPr lang="en-US" dirty="0" smtClean="0"/>
-              <a:t>methods:</a:t>
-            </a:r>
-            <a:endParaRPr lang="en-US" dirty="0" smtClean="0"/>
+              <a:t> has useful methods:</a:t>
+            </a:r>
           </a:p>
           <a:p>
             <a:pPr lvl="1"/>
@@ -19548,14 +19224,7 @@
                 <a:latin typeface="Menlo Regular"/>
                 <a:cs typeface="Menlo Regular"/>
               </a:rPr>
-              <a:t>(</a:t>
-            </a:r>
-            <a:r>
-              <a:rPr lang="en-US" dirty="0" smtClean="0">
-                <a:latin typeface="Menlo Regular"/>
-                <a:cs typeface="Menlo Regular"/>
-              </a:rPr>
-              <a:t>)</a:t>
+              <a:t>()</a:t>
             </a:r>
           </a:p>
           <a:p>
@@ -19607,7 +19276,6 @@
               <a:rPr lang="en-US" dirty="0" smtClean="0"/>
               <a:t>Accumulators</a:t>
             </a:r>
-            <a:endParaRPr lang="en-US" dirty="0" smtClean="0"/>
           </a:p>
           <a:p>
             <a:pPr lvl="1"/>
@@ -19896,14 +19564,7 @@
                 <a:latin typeface="Avenir Next Regular"/>
                 <a:cs typeface="Avenir Next Regular"/>
               </a:rPr>
-              <a:t>Type </a:t>
-            </a:r>
-            <a:r>
-              <a:rPr lang="en-US" sz="2400" dirty="0" smtClean="0">
-                <a:latin typeface="Avenir Next Regular"/>
-                <a:cs typeface="Avenir Next Regular"/>
-              </a:rPr>
-              <a:t>Extraction</a:t>
+              <a:t>Type Extraction</a:t>
             </a:r>
           </a:p>
           <a:p>
@@ -19918,10 +19579,6 @@
               </a:rPr>
               <a:t>Java Reflection</a:t>
             </a:r>
-            <a:endParaRPr lang="en-US" dirty="0" smtClean="0">
-              <a:latin typeface="Avenir Next Regular"/>
-              <a:cs typeface="Avenir Next Regular"/>
-            </a:endParaRPr>
           </a:p>
           <a:p>
             <a:pPr marL="285750" indent="-285750">
@@ -19994,28 +19651,7 @@
                 <a:latin typeface="Avenir Next Regular"/>
                 <a:cs typeface="Avenir Next Regular"/>
               </a:rPr>
-              <a:t>Are </a:t>
-            </a:r>
-            <a:r>
-              <a:rPr lang="en-US" dirty="0" smtClean="0">
-                <a:latin typeface="Avenir Next Regular"/>
-                <a:cs typeface="Avenir Next Regular"/>
-              </a:rPr>
-              <a:t>the </a:t>
-            </a:r>
-            <a:r>
-              <a:rPr lang="en-US" dirty="0" smtClean="0">
-                <a:latin typeface="Avenir Next Regular"/>
-                <a:cs typeface="Avenir Next Regular"/>
-              </a:rPr>
-              <a:t>keys </a:t>
-            </a:r>
-            <a:r>
-              <a:rPr lang="en-US" dirty="0" smtClean="0">
-                <a:latin typeface="Avenir Next Regular"/>
-                <a:cs typeface="Avenir Next Regular"/>
-              </a:rPr>
-              <a:t>sortable?</a:t>
+              <a:t>Are the keys sortable?</a:t>
             </a:r>
           </a:p>
           <a:p>
@@ -20028,14 +19664,7 @@
                 <a:latin typeface="Avenir Next Regular"/>
                 <a:cs typeface="Avenir Next Regular"/>
               </a:rPr>
-              <a:t>Are join </a:t>
-            </a:r>
-            <a:r>
-              <a:rPr lang="en-US" dirty="0" smtClean="0">
-                <a:latin typeface="Avenir Next Regular"/>
-                <a:cs typeface="Avenir Next Regular"/>
-              </a:rPr>
-              <a:t>keys compatible?</a:t>
+              <a:t>Are join keys compatible?</a:t>
             </a:r>
             <a:endParaRPr lang="en-US" dirty="0">
               <a:latin typeface="Avenir Next Regular"/>
@@ -21031,35 +20660,7 @@
                 <a:latin typeface="Avenir Next Regular"/>
                 <a:cs typeface="Avenir Next Regular"/>
               </a:rPr>
-              <a:t>Example: </a:t>
-            </a:r>
-            <a:r>
-              <a:rPr lang="en-US" sz="3200" dirty="0" smtClean="0">
-                <a:latin typeface="Avenir Next Regular"/>
-                <a:cs typeface="Avenir Next Regular"/>
-              </a:rPr>
-              <a:t>Tag </a:t>
-            </a:r>
-            <a:r>
-              <a:rPr lang="en-US" sz="3200" dirty="0" smtClean="0">
-                <a:latin typeface="Avenir Next Regular"/>
-                <a:cs typeface="Avenir Next Regular"/>
-              </a:rPr>
-              <a:t>words with </a:t>
-            </a:r>
-            <a:r>
-              <a:rPr lang="en-US" sz="3200" dirty="0" smtClean="0">
-                <a:latin typeface="Avenir Next Regular"/>
-                <a:cs typeface="Avenir Next Regular"/>
-              </a:rPr>
-              <a:t>IDs in text </a:t>
-            </a:r>
-            <a:r>
-              <a:rPr lang="en-US" sz="3200" dirty="0" smtClean="0">
-                <a:latin typeface="Avenir Next Regular"/>
-                <a:cs typeface="Avenir Next Regular"/>
-              </a:rPr>
-              <a:t>corpus</a:t>
+              <a:t>Example: Tag words with IDs in text corpus</a:t>
             </a:r>
             <a:endParaRPr lang="en-US" sz="3200" dirty="0">
               <a:latin typeface="Avenir Next Regular"/>
@@ -21594,21 +21195,7 @@
                 <a:latin typeface="Avenir Next Regular"/>
                 <a:cs typeface="Avenir Next Regular"/>
               </a:rPr>
-              <a:t>broadcast </a:t>
-            </a:r>
-            <a:r>
-              <a:rPr lang="en-US" sz="2800" dirty="0" smtClean="0">
-                <a:latin typeface="Avenir Next Regular"/>
-                <a:cs typeface="Avenir Next Regular"/>
-              </a:rPr>
-              <a:t>(small) dictionary </a:t>
-            </a:r>
-            <a:r>
-              <a:rPr lang="en-US" sz="2800" dirty="0" smtClean="0">
-                <a:latin typeface="Avenir Next Regular"/>
-                <a:cs typeface="Avenir Next Regular"/>
-              </a:rPr>
-              <a:t>to all mappers </a:t>
+              <a:t>broadcast (small) dictionary to all mappers </a:t>
             </a:r>
             <a:endParaRPr lang="en-US" sz="2800" dirty="0">
               <a:latin typeface="Avenir Next Regular"/>
@@ -22331,14 +21918,7 @@
                 <a:latin typeface="Menlo Regular"/>
                 <a:cs typeface="Menlo Regular"/>
               </a:rPr>
-              <a:t>(</a:t>
-            </a:r>
-            <a:r>
-              <a:rPr lang="de-DE" altLang="de-DE" dirty="0" smtClean="0">
-                <a:latin typeface="Menlo Regular"/>
-                <a:cs typeface="Menlo Regular"/>
-              </a:rPr>
-              <a:t>).</a:t>
+              <a:t>().</a:t>
             </a:r>
             <a:r>
               <a:rPr lang="de-DE" altLang="de-DE" dirty="0" err="1" smtClean="0">
@@ -22976,14 +22556,7 @@
                 <a:latin typeface="Avenir Next Regular"/>
                 <a:cs typeface="Avenir Next Regular"/>
               </a:rPr>
-              <a:t>22 </a:t>
-            </a:r>
-            <a:r>
-              <a:rPr lang="en-US" sz="2400" dirty="0" smtClean="0">
-                <a:latin typeface="Avenir Next Regular"/>
-                <a:cs typeface="Avenir Next Regular"/>
-              </a:rPr>
-              <a:t>= </a:t>
+              <a:t>22 = </a:t>
             </a:r>
             <a:br>
               <a:rPr lang="en-US" sz="2400" dirty="0" smtClean="0">
@@ -23269,20 +22842,12 @@
               <a:rPr lang="en-US" sz="3200" dirty="0" smtClean="0"/>
               <a:t>: </a:t>
             </a:r>
-            <a:r>
-              <a:rPr lang="en-US" sz="3200" dirty="0" smtClean="0"/>
-              <a:t/>
-            </a:r>
             <a:br>
               <a:rPr lang="en-US" sz="3200" dirty="0" smtClean="0"/>
             </a:br>
             <a:r>
               <a:rPr lang="en-US" sz="3200" dirty="0" smtClean="0"/>
-              <a:t>Count total number of words in text </a:t>
-            </a:r>
-            <a:r>
-              <a:rPr lang="en-US" sz="3200" dirty="0" smtClean="0"/>
-              <a:t>corpus</a:t>
+              <a:t>Count total number of words in text corpus</a:t>
             </a:r>
             <a:endParaRPr lang="en-US" sz="3200" dirty="0"/>
           </a:p>
@@ -23693,11 +23258,7 @@
           <a:p>
             <a:r>
               <a:rPr lang="en-US" dirty="0" smtClean="0"/>
-              <a:t>Use accumulators to verify </a:t>
-            </a:r>
-            <a:r>
-              <a:rPr lang="en-US" dirty="0" smtClean="0"/>
-              <a:t>your assumptions about the data</a:t>
+              <a:t>Use accumulators to verify your assumptions about the data</a:t>
             </a:r>
             <a:endParaRPr lang="en-US" dirty="0"/>
           </a:p>
@@ -23868,17 +23429,6 @@
               </a:rPr>
               <a:t> </a:t>
             </a:r>
-            <a:endParaRPr kumimoji="0" lang="de-DE" altLang="de-DE" sz="2200" b="0" i="0" u="none" strike="noStrike" cap="none" normalizeH="0" baseline="0" dirty="0" smtClean="0">
-              <a:ln>
-                <a:noFill/>
-              </a:ln>
-              <a:solidFill>
-                <a:srgbClr val="333333"/>
-              </a:solidFill>
-              <a:effectLst/>
-              <a:latin typeface="Menlo Regular"/>
-              <a:cs typeface="Menlo Regular"/>
-            </a:endParaRPr>
           </a:p>
           <a:p>
             <a:pPr marL="0" marR="0" lvl="0" indent="0" algn="l" defTabSz="914400" rtl="0" eaLnBrk="0" fontAlgn="base" latinLnBrk="0" hangingPunct="0">
@@ -23987,13 +23537,6 @@
               </a:rPr>
               <a:t>     </a:t>
             </a:r>
-            <a:endParaRPr lang="de-DE" altLang="de-DE" sz="2200" dirty="0" smtClean="0">
-              <a:solidFill>
-                <a:srgbClr val="333333"/>
-              </a:solidFill>
-              <a:latin typeface="Menlo Regular"/>
-              <a:cs typeface="Menlo Regular"/>
-            </a:endParaRPr>
           </a:p>
           <a:p>
             <a:pPr marL="0" marR="0" lvl="0" indent="0" algn="l" defTabSz="914400" rtl="0" eaLnBrk="0" fontAlgn="base" latinLnBrk="0" hangingPunct="0">
@@ -24038,21 +23581,7 @@
                 <a:latin typeface="Menlo Regular"/>
                 <a:cs typeface="Menlo Regular"/>
               </a:rPr>
-              <a:t> </a:t>
-            </a:r>
-            <a:r>
-              <a:rPr kumimoji="0" lang="de-DE" altLang="de-DE" sz="2200" b="0" i="0" u="none" strike="noStrike" cap="none" normalizeH="0" baseline="0" dirty="0" smtClean="0">
-                <a:ln>
-                  <a:noFill/>
-                </a:ln>
-                <a:solidFill>
-                  <a:srgbClr val="333333"/>
-                </a:solidFill>
-                <a:effectLst/>
-                <a:latin typeface="Menlo Regular"/>
-                <a:cs typeface="Menlo Regular"/>
-              </a:rPr>
-              <a:t>@</a:t>
+              <a:t> @</a:t>
             </a:r>
             <a:r>
               <a:rPr kumimoji="0" lang="de-DE" altLang="de-DE" sz="2200" b="0" i="0" u="none" strike="noStrike" cap="none" normalizeH="0" baseline="0" dirty="0" err="1" smtClean="0">
@@ -24354,17 +23883,7 @@
                 <a:latin typeface="Menlo Regular"/>
                 <a:cs typeface="Menlo Regular"/>
               </a:rPr>
-              <a:t>	</a:t>
-            </a:r>
-            <a:r>
-              <a:rPr lang="de-DE" altLang="de-DE" sz="2200" dirty="0">
-                <a:solidFill>
-                  <a:srgbClr val="333333"/>
-                </a:solidFill>
-                <a:latin typeface="Menlo Regular"/>
-                <a:cs typeface="Menlo Regular"/>
-              </a:rPr>
-              <a:t> </a:t>
+              <a:t>	 </a:t>
             </a:r>
             <a:r>
               <a:rPr lang="de-DE" altLang="de-DE" sz="2200" dirty="0" smtClean="0">
@@ -24524,21 +24043,7 @@
                 <a:latin typeface="Menlo Regular"/>
                 <a:cs typeface="Menlo Regular"/>
               </a:rPr>
-              <a:t>/</a:t>
-            </a:r>
-            <a:r>
-              <a:rPr kumimoji="0" lang="de-DE" altLang="de-DE" sz="2200" b="0" i="0" u="none" strike="noStrike" cap="none" normalizeH="0" baseline="0" dirty="0" smtClean="0">
-                <a:ln>
-                  <a:noFill/>
-                </a:ln>
-                <a:solidFill>
-                  <a:srgbClr val="333333"/>
-                </a:solidFill>
-                <a:effectLst/>
-                <a:latin typeface="Menlo Regular"/>
-                <a:cs typeface="Menlo Regular"/>
-              </a:rPr>
-              <a:t>/ do </a:t>
+              <a:t>// do </a:t>
             </a:r>
             <a:r>
               <a:rPr kumimoji="0" lang="de-DE" altLang="de-DE" sz="2200" b="0" i="0" u="none" strike="noStrike" cap="none" normalizeH="0" baseline="0" dirty="0" err="1" smtClean="0">
@@ -24648,17 +24153,6 @@
               </a:rPr>
               <a:t>} </a:t>
             </a:r>
-            <a:endParaRPr kumimoji="0" lang="de-DE" altLang="de-DE" sz="2200" b="0" i="0" u="none" strike="noStrike" cap="none" normalizeH="0" baseline="0" dirty="0" smtClean="0">
-              <a:ln>
-                <a:noFill/>
-              </a:ln>
-              <a:solidFill>
-                <a:srgbClr val="333333"/>
-              </a:solidFill>
-              <a:effectLst/>
-              <a:latin typeface="Menlo Regular"/>
-              <a:cs typeface="Menlo Regular"/>
-            </a:endParaRPr>
           </a:p>
           <a:p>
             <a:pPr marL="0" marR="0" lvl="0" indent="0" algn="l" defTabSz="914400" rtl="0" eaLnBrk="0" fontAlgn="base" latinLnBrk="0" hangingPunct="0">
@@ -24802,11 +24296,7 @@
             </a:r>
             <a:r>
               <a:rPr lang="en-US" dirty="0" err="1" smtClean="0"/>
-              <a:t>JobExecution</a:t>
-            </a:r>
-            <a:r>
-              <a:rPr lang="en-US" dirty="0" err="1" smtClean="0"/>
-              <a:t>Result</a:t>
+              <a:t>JobExecutionResult</a:t>
             </a:r>
             <a:r>
               <a:rPr lang="en-US" dirty="0" smtClean="0"/>
@@ -25350,7 +24840,7 @@
         <p:spPr/>
         <p:txBody>
           <a:bodyPr>
-            <a:normAutofit fontScale="92500" lnSpcReduction="10000"/>
+            <a:normAutofit/>
           </a:bodyPr>
           <a:lstStyle/>
           <a:p>
@@ -25385,17 +24875,9 @@
             </a:r>
           </a:p>
           <a:p>
-            <a:endParaRPr lang="en-US" dirty="0"/>
-          </a:p>
-          <a:p>
-            <a:r>
-              <a:rPr lang="en-US" dirty="0" err="1" smtClean="0"/>
-              <a:t>DataSet</a:t>
-            </a:r>
-            <a:r>
-              <a:rPr lang="en-US" dirty="0" smtClean="0"/>
-              <a:t> can be converted to Table</a:t>
-            </a:r>
+            <a:pPr marL="0" indent="0">
+              <a:buNone/>
+            </a:pPr>
             <a:endParaRPr lang="en-US" dirty="0"/>
           </a:p>
         </p:txBody>
@@ -26070,14 +25552,7 @@
                 <a:latin typeface="Menlo Regular"/>
                 <a:cs typeface="Menlo Regular"/>
               </a:rPr>
-              <a:t>Tuple2</a:t>
-            </a:r>
-            <a:r>
-              <a:rPr lang="en-US" sz="2200" b="1" dirty="0" smtClean="0">
-                <a:latin typeface="Menlo Regular"/>
-                <a:cs typeface="Menlo Regular"/>
-              </a:rPr>
-              <a:t>&lt;Person, Integer&gt;</a:t>
+              <a:t>Tuple2&lt;Person, Integer&gt;</a:t>
             </a:r>
             <a:r>
               <a:rPr lang="en-US" sz="2200" dirty="0">
@@ -26292,39 +25767,85 @@
                 <a:latin typeface="Menlo Regular"/>
                 <a:cs typeface="Menlo Regular"/>
               </a:rPr>
-              <a:t>u</a:t>
+              <a:t>users:</a:t>
+            </a:r>
+          </a:p>
+          <a:p>
+            <a:r>
+              <a:rPr lang="en-US" sz="1200" dirty="0" smtClean="0">
+                <a:latin typeface="Menlo Regular"/>
+                <a:cs typeface="Menlo Regular"/>
+              </a:rPr>
+              <a:t> </a:t>
+            </a:r>
+          </a:p>
+          <a:p>
+            <a:r>
+              <a:rPr lang="en-US" sz="2400" dirty="0" err="1" smtClean="0">
+                <a:latin typeface="Menlo Regular"/>
+                <a:cs typeface="Menlo Regular"/>
+              </a:rPr>
+              <a:t>TupleType</a:t>
             </a:r>
             <a:r>
               <a:rPr lang="en-US" sz="2400" dirty="0" smtClean="0">
                 <a:latin typeface="Menlo Regular"/>
                 <a:cs typeface="Menlo Regular"/>
               </a:rPr>
-              <a:t>sers:</a:t>
-            </a:r>
-          </a:p>
-          <a:p>
-            <a:r>
-              <a:rPr lang="en-US" sz="1200" dirty="0" smtClean="0">
+              <a:t>&lt;Tuple2&gt;</a:t>
+            </a:r>
+          </a:p>
+          <a:p>
+            <a:r>
+              <a:rPr lang="en-US" sz="2400" dirty="0">
                 <a:latin typeface="Menlo Regular"/>
                 <a:cs typeface="Menlo Regular"/>
               </a:rPr>
               <a:t> </a:t>
             </a:r>
-          </a:p>
-          <a:p>
+            <a:r>
+              <a:rPr lang="en-US" sz="2400" dirty="0" smtClean="0">
+                <a:latin typeface="Menlo Regular"/>
+                <a:cs typeface="Menlo Regular"/>
+              </a:rPr>
+              <a:t> </a:t>
+            </a:r>
             <a:r>
               <a:rPr lang="en-US" sz="2400" dirty="0" err="1" smtClean="0">
                 <a:latin typeface="Menlo Regular"/>
                 <a:cs typeface="Menlo Regular"/>
               </a:rPr>
-              <a:t>TupleType</a:t>
+              <a:t>PojoType</a:t>
             </a:r>
             <a:r>
               <a:rPr lang="en-US" sz="2400" dirty="0" smtClean="0">
                 <a:latin typeface="Menlo Regular"/>
                 <a:cs typeface="Menlo Regular"/>
               </a:rPr>
-              <a:t>&lt;Tuple2&gt;</a:t>
+              <a:t>&lt;Person&gt;</a:t>
+            </a:r>
+          </a:p>
+          <a:p>
+            <a:r>
+              <a:rPr lang="en-US" sz="2400" dirty="0" smtClean="0">
+                <a:latin typeface="Menlo Regular"/>
+                <a:cs typeface="Menlo Regular"/>
+              </a:rPr>
+              <a:t>    </a:t>
+            </a:r>
+            <a:r>
+              <a:rPr lang="en-US" sz="2400" dirty="0" err="1" smtClean="0">
+                <a:latin typeface="Menlo Regular"/>
+                <a:cs typeface="Menlo Regular"/>
+              </a:rPr>
+              <a:t>BasicType</a:t>
+            </a:r>
+            <a:r>
+              <a:rPr lang="en-US" sz="2400" dirty="0" smtClean="0">
+                <a:latin typeface="Menlo Regular"/>
+                <a:cs typeface="Menlo Regular"/>
+              </a:rPr>
+              <a:t>&lt;Integer&gt;</a:t>
             </a:r>
           </a:p>
           <a:p>
@@ -26340,124 +25861,64 @@
                 <a:latin typeface="Menlo Regular"/>
                 <a:cs typeface="Menlo Regular"/>
               </a:rPr>
+              <a:t>   </a:t>
+            </a:r>
+            <a:r>
+              <a:rPr lang="en-US" sz="2400" dirty="0" err="1" smtClean="0">
+                <a:latin typeface="Menlo Regular"/>
+                <a:cs typeface="Menlo Regular"/>
+              </a:rPr>
+              <a:t>BasicType</a:t>
+            </a:r>
+            <a:r>
+              <a:rPr lang="en-US" sz="2400" dirty="0" smtClean="0">
+                <a:latin typeface="Menlo Regular"/>
+                <a:cs typeface="Menlo Regular"/>
+              </a:rPr>
+              <a:t>&lt;String&gt;</a:t>
+            </a:r>
+          </a:p>
+          <a:p>
+            <a:r>
+              <a:rPr lang="en-US" sz="2400" dirty="0">
+                <a:solidFill>
+                  <a:srgbClr val="000000"/>
+                </a:solidFill>
+                <a:latin typeface="Menlo Regular"/>
+                <a:cs typeface="Menlo Regular"/>
+              </a:rPr>
               <a:t> </a:t>
             </a:r>
             <a:r>
+              <a:rPr lang="en-US" sz="2400" dirty="0" smtClean="0">
+                <a:solidFill>
+                  <a:srgbClr val="000000"/>
+                </a:solidFill>
+                <a:latin typeface="Menlo Regular"/>
+                <a:cs typeface="Menlo Regular"/>
+              </a:rPr>
+              <a:t> </a:t>
+            </a:r>
+            <a:r>
               <a:rPr lang="en-US" sz="2400" dirty="0" err="1" smtClean="0">
-                <a:latin typeface="Menlo Regular"/>
-                <a:cs typeface="Menlo Regular"/>
-              </a:rPr>
-              <a:t>PojoType</a:t>
+                <a:solidFill>
+                  <a:srgbClr val="000000"/>
+                </a:solidFill>
+                <a:latin typeface="Menlo Regular"/>
+                <a:cs typeface="Menlo Regular"/>
+              </a:rPr>
+              <a:t>BasicType</a:t>
             </a:r>
             <a:r>
               <a:rPr lang="en-US" sz="2400" dirty="0" smtClean="0">
-                <a:latin typeface="Menlo Regular"/>
-                <a:cs typeface="Menlo Regular"/>
-              </a:rPr>
-              <a:t>&lt;Person&gt;</a:t>
-            </a:r>
-          </a:p>
-          <a:p>
-            <a:r>
-              <a:rPr lang="en-US" sz="2400" dirty="0" smtClean="0">
-                <a:latin typeface="Menlo Regular"/>
-                <a:cs typeface="Menlo Regular"/>
-              </a:rPr>
-              <a:t>    </a:t>
-            </a:r>
-            <a:r>
-              <a:rPr lang="en-US" sz="2400" dirty="0" err="1" smtClean="0">
-                <a:latin typeface="Menlo Regular"/>
-                <a:cs typeface="Menlo Regular"/>
-              </a:rPr>
-              <a:t>BasicType</a:t>
-            </a:r>
-            <a:r>
-              <a:rPr lang="en-US" sz="2400" dirty="0" smtClean="0">
+                <a:solidFill>
+                  <a:srgbClr val="000000"/>
+                </a:solidFill>
                 <a:latin typeface="Menlo Regular"/>
                 <a:cs typeface="Menlo Regular"/>
               </a:rPr>
               <a:t>&lt;Integer&gt;</a:t>
             </a:r>
-          </a:p>
-          <a:p>
-            <a:r>
-              <a:rPr lang="en-US" sz="2400" dirty="0">
-                <a:latin typeface="Menlo Regular"/>
-                <a:cs typeface="Menlo Regular"/>
-              </a:rPr>
-              <a:t> </a:t>
-            </a:r>
-            <a:r>
-              <a:rPr lang="en-US" sz="2400" dirty="0" smtClean="0">
-                <a:latin typeface="Menlo Regular"/>
-                <a:cs typeface="Menlo Regular"/>
-              </a:rPr>
-              <a:t>   </a:t>
-            </a:r>
-            <a:r>
-              <a:rPr lang="en-US" sz="2400" dirty="0" err="1" smtClean="0">
-                <a:latin typeface="Menlo Regular"/>
-                <a:cs typeface="Menlo Regular"/>
-              </a:rPr>
-              <a:t>BasicType</a:t>
-            </a:r>
-            <a:r>
-              <a:rPr lang="en-US" sz="2400" dirty="0" smtClean="0">
-                <a:latin typeface="Menlo Regular"/>
-                <a:cs typeface="Menlo Regular"/>
-              </a:rPr>
-              <a:t>&lt;String&gt;</a:t>
-            </a:r>
-          </a:p>
-          <a:p>
-            <a:r>
-              <a:rPr lang="en-US" sz="2400" dirty="0">
-                <a:solidFill>
-                  <a:srgbClr val="000000"/>
-                </a:solidFill>
-                <a:latin typeface="Menlo Regular"/>
-                <a:cs typeface="Menlo Regular"/>
-              </a:rPr>
-              <a:t> </a:t>
-            </a:r>
-            <a:r>
-              <a:rPr lang="en-US" sz="2400" dirty="0" smtClean="0">
-                <a:solidFill>
-                  <a:srgbClr val="000000"/>
-                </a:solidFill>
-                <a:latin typeface="Menlo Regular"/>
-                <a:cs typeface="Menlo Regular"/>
-              </a:rPr>
-              <a:t> </a:t>
-            </a:r>
-            <a:r>
-              <a:rPr lang="en-US" sz="2400" dirty="0" err="1" smtClean="0">
-                <a:solidFill>
-                  <a:srgbClr val="000000"/>
-                </a:solidFill>
-                <a:latin typeface="Menlo Regular"/>
-                <a:cs typeface="Menlo Regular"/>
-              </a:rPr>
-              <a:t>BasicType</a:t>
-            </a:r>
-            <a:r>
-              <a:rPr lang="en-US" sz="2400" dirty="0" smtClean="0">
-                <a:solidFill>
-                  <a:srgbClr val="000000"/>
-                </a:solidFill>
-                <a:latin typeface="Menlo Regular"/>
-                <a:cs typeface="Menlo Regular"/>
-              </a:rPr>
-              <a:t>&lt;Integer&gt;</a:t>
-            </a:r>
-            <a:endParaRPr lang="en-US" sz="2400" dirty="0" smtClean="0">
-              <a:solidFill>
-                <a:srgbClr val="000000"/>
-              </a:solidFill>
-              <a:latin typeface="Menlo Regular"/>
-              <a:cs typeface="Menlo Regular"/>
-            </a:endParaRPr>
           </a:p>
         </p:txBody>
       </p:sp>
@@ -26600,11 +26061,30 @@
               <a:buNone/>
             </a:pPr>
             <a:r>
+              <a:rPr lang="en-US" sz="2000" dirty="0" smtClean="0">
+                <a:latin typeface="Menlo Regular"/>
+                <a:cs typeface="Menlo Regular"/>
+              </a:rPr>
+              <a:t>// data set</a:t>
+            </a:r>
+          </a:p>
+          <a:p>
+            <a:pPr marL="0" indent="0">
+              <a:buNone/>
+            </a:pPr>
+            <a:r>
+              <a:rPr lang="en-US" sz="2000" dirty="0" err="1">
+                <a:latin typeface="Menlo Regular"/>
+                <a:cs typeface="Menlo Regular"/>
+              </a:rPr>
+              <a:t>D</a:t>
+            </a:r>
+            <a:r>
               <a:rPr lang="en-US" sz="2000" dirty="0" err="1" smtClean="0">
                 <a:latin typeface="Menlo Regular"/>
                 <a:cs typeface="Menlo Regular"/>
               </a:rPr>
-              <a:t>DataSet</a:t>
+              <a:t>ataSet</a:t>
             </a:r>
             <a:r>
               <a:rPr lang="en-US" sz="2000" dirty="0" smtClean="0">
@@ -26625,7 +26105,33 @@
                 <a:latin typeface="Menlo Regular"/>
                 <a:cs typeface="Menlo Regular"/>
               </a:rPr>
-              <a:t>&gt;&gt; ds = …;</a:t>
+              <a:t>&gt;&gt; ds = …</a:t>
+            </a:r>
+            <a:r>
+              <a:rPr lang="en-US" sz="2000" dirty="0" smtClean="0">
+                <a:latin typeface="Menlo Regular"/>
+                <a:cs typeface="Menlo Regular"/>
+              </a:rPr>
+              <a:t>;</a:t>
+            </a:r>
+          </a:p>
+          <a:p>
+            <a:pPr marL="0" indent="0">
+              <a:buNone/>
+            </a:pPr>
+            <a:r>
+              <a:rPr lang="en-US" sz="2000" dirty="0" smtClean="0">
+                <a:latin typeface="Menlo Regular"/>
+                <a:cs typeface="Menlo Regular"/>
+              </a:rPr>
+              <a:t>// get a </a:t>
+            </a:r>
+            <a:r>
+              <a:rPr lang="en-US" sz="2000" dirty="0" err="1" smtClean="0">
+                <a:latin typeface="Menlo Regular"/>
+                <a:cs typeface="Menlo Regular"/>
+              </a:rPr>
+              <a:t>TableEnvironment</a:t>
             </a:r>
             <a:endParaRPr lang="en-US" sz="2000" dirty="0">
               <a:latin typeface="Menlo Regular"/>
@@ -26676,8 +26182,31 @@
                 <a:latin typeface="Menlo Regular"/>
                 <a:cs typeface="Menlo Regular"/>
               </a:rPr>
-              <a:t>();</a:t>
-            </a:r>
+              <a:t>()</a:t>
+            </a:r>
+            <a:r>
+              <a:rPr lang="en-US" sz="2000" dirty="0" smtClean="0">
+                <a:latin typeface="Menlo Regular"/>
+                <a:cs typeface="Menlo Regular"/>
+              </a:rPr>
+              <a:t>;</a:t>
+            </a:r>
+          </a:p>
+          <a:p>
+            <a:pPr marL="0" indent="0">
+              <a:buNone/>
+            </a:pPr>
+            <a:r>
+              <a:rPr lang="en-US" sz="2000" dirty="0" smtClean="0">
+                <a:latin typeface="Menlo Regular"/>
+                <a:cs typeface="Menlo Regular"/>
+              </a:rPr>
+              <a:t>// convert data set to Table and give name to fields</a:t>
+            </a:r>
+            <a:endParaRPr lang="en-US" sz="2000" dirty="0" smtClean="0">
+              <a:latin typeface="Menlo Regular"/>
+              <a:cs typeface="Menlo Regular"/>
+            </a:endParaRPr>
           </a:p>
           <a:p>
             <a:pPr marL="0" indent="0">
@@ -27242,8 +26771,17 @@
           <a:p>
             <a:r>
               <a:rPr lang="en-US" dirty="0" smtClean="0"/>
-              <a:t>Convert to Row data set</a:t>
-            </a:r>
+              <a:t>Convert to </a:t>
+            </a:r>
+            <a:r>
+              <a:rPr lang="en-US" dirty="0" err="1" smtClean="0"/>
+              <a:t>DataSet</a:t>
+            </a:r>
+            <a:r>
+              <a:rPr lang="en-US" dirty="0" smtClean="0"/>
+              <a:t>&lt;Row&gt;</a:t>
+            </a:r>
+            <a:endParaRPr lang="en-US" dirty="0" smtClean="0"/>
           </a:p>
           <a:p>
             <a:r>
@@ -27520,7 +27058,6 @@
               <a:rPr lang="en-US" dirty="0" smtClean="0"/>
               <a:t>Primitives + Objects</a:t>
             </a:r>
-            <a:endParaRPr lang="en-US" dirty="0" smtClean="0"/>
           </a:p>
           <a:p>
             <a:r>
@@ -27535,22 +27072,6 @@
               <a:rPr lang="en-US" dirty="0" smtClean="0"/>
               <a:t>Hadoop Interface</a:t>
             </a:r>
-            <a:endParaRPr lang="en-US" dirty="0" smtClean="0"/>
-          </a:p>
-          <a:p>
-            <a:r>
-              <a:rPr lang="en-US" dirty="0" err="1" smtClean="0"/>
-              <a:t>ValueType</a:t>
-            </a:r>
-            <a:endParaRPr lang="en-US" dirty="0" smtClean="0"/>
-          </a:p>
-          <a:p>
-            <a:pPr lvl="1"/>
-            <a:r>
-              <a:rPr lang="en-US" dirty="0" smtClean="0"/>
-              <a:t>Flink Interface</a:t>
-            </a:r>
-            <a:endParaRPr lang="en-US" dirty="0" smtClean="0"/>
           </a:p>
           <a:p>
             <a:r>
@@ -27620,17 +27141,8 @@
             <a:pPr lvl="1"/>
             <a:r>
               <a:rPr lang="en-US" dirty="0" smtClean="0"/>
-              <a:t>Tuple1</a:t>
-            </a:r>
-            <a:r>
-              <a:rPr lang="en-US" dirty="0" smtClean="0"/>
-              <a:t>…</a:t>
-            </a:r>
-            <a:r>
-              <a:rPr lang="en-US" dirty="0" smtClean="0"/>
-              <a:t>Tuple25</a:t>
-            </a:r>
-            <a:endParaRPr lang="en-US" dirty="0" smtClean="0"/>
+              <a:t>Tuple1…Tuple25</a:t>
+            </a:r>
           </a:p>
           <a:p>
             <a:r>
@@ -27643,17 +27155,8 @@
             <a:pPr lvl="1"/>
             <a:r>
               <a:rPr lang="en-US" dirty="0" smtClean="0"/>
-              <a:t>“</a:t>
-            </a:r>
-            <a:r>
-              <a:rPr lang="en-US" dirty="0" smtClean="0"/>
-              <a:t>Bean-style” Java </a:t>
-            </a:r>
-            <a:r>
-              <a:rPr lang="en-US" dirty="0" smtClean="0"/>
-              <a:t>objects</a:t>
-            </a:r>
-            <a:endParaRPr lang="en-US" dirty="0" smtClean="0"/>
+              <a:t>“Bean-style” Java objects</a:t>
+            </a:r>
           </a:p>
           <a:p>
             <a:r>
@@ -27679,10 +27182,6 @@
             <a:r>
               <a:rPr lang="en-US" dirty="0" smtClean="0"/>
               <a:t> incl. Tuples</a:t>
-            </a:r>
-            <a:r>
-              <a:rPr lang="en-US" dirty="0" smtClean="0"/>
-              <a:t/>
             </a:r>
             <a:br>
               <a:rPr lang="en-US" dirty="0" smtClean="0"/>
@@ -28014,14 +27513,7 @@
                           <a:latin typeface="Avenir Next Regular"/>
                           <a:cs typeface="Avenir Next Regular"/>
                         </a:rPr>
-                        <a:t>If type implements (Writable</a:t>
-                      </a:r>
-                      <a:r>
-                        <a:rPr lang="en-US" sz="2000" b="0" i="0" dirty="0" smtClean="0">
-                          <a:latin typeface="Avenir Next Regular"/>
-                          <a:cs typeface="Avenir Next Regular"/>
-                        </a:rPr>
-                        <a:t>)</a:t>
+                        <a:t>If type implements (Writable)</a:t>
                       </a:r>
                       <a:br>
                         <a:rPr lang="en-US" sz="2000" b="0" i="0" dirty="0" smtClean="0">
@@ -28160,21 +27652,7 @@
                           <a:latin typeface="Avenir Next Regular"/>
                           <a:cs typeface="Avenir Next Regular"/>
                         </a:rPr>
-                        <a:t>write</a:t>
-                      </a:r>
-                      <a:r>
-                        <a:rPr lang="en-US" sz="2000" b="0" i="0" dirty="0" smtClean="0">
-                          <a:latin typeface="Avenir Next Regular"/>
-                          <a:cs typeface="Avenir Next Regular"/>
-                        </a:rPr>
-                        <a:t>(</a:t>
-                      </a:r>
-                      <a:r>
-                        <a:rPr lang="en-US" sz="2000" b="0" i="0" dirty="0" smtClean="0">
-                          <a:latin typeface="Avenir Next Regular"/>
-                          <a:cs typeface="Avenir Next Regular"/>
-                        </a:rPr>
-                        <a:t>)</a:t>
+                        <a:t>write()</a:t>
                       </a:r>
                     </a:p>
                     <a:p>
@@ -28194,14 +27672,7 @@
                           <a:latin typeface="Avenir Next Regular"/>
                           <a:cs typeface="Avenir Next Regular"/>
                         </a:rPr>
-                        <a:t>(</a:t>
-                      </a:r>
-                      <a:r>
-                        <a:rPr lang="en-US" sz="2000" b="0" i="0" dirty="0" smtClean="0">
-                          <a:latin typeface="Avenir Next Regular"/>
-                          <a:cs typeface="Avenir Next Regular"/>
-                        </a:rPr>
-                        <a:t>)</a:t>
+                        <a:t>()</a:t>
                       </a:r>
                       <a:endParaRPr lang="en-US" sz="2000" b="0" i="0" dirty="0">
                         <a:latin typeface="Avenir Next Regular"/>
@@ -28477,13 +27948,8 @@
           <a:p>
             <a:r>
               <a:rPr lang="en-US" dirty="0" smtClean="0"/>
-              <a:t>Default c</a:t>
-            </a:r>
-            <a:r>
-              <a:rPr lang="en-US" dirty="0" smtClean="0"/>
-              <a:t>onstructor (no arguments)</a:t>
-            </a:r>
-            <a:endParaRPr lang="en-US" dirty="0" smtClean="0"/>
+              <a:t>Default constructor (no arguments)</a:t>
+            </a:r>
           </a:p>
           <a:p>
             <a:endParaRPr lang="en-US" dirty="0" smtClean="0"/>
@@ -28493,7 +27959,6 @@
               <a:rPr lang="en-US" dirty="0" smtClean="0"/>
               <a:t>All fields must be</a:t>
             </a:r>
-            <a:endParaRPr lang="en-US" dirty="0" smtClean="0"/>
           </a:p>
           <a:p>
             <a:pPr lvl="1"/>
@@ -28501,34 +27966,21 @@
               <a:rPr lang="en-US" dirty="0" smtClean="0"/>
               <a:t>either public</a:t>
             </a:r>
+          </a:p>
+          <a:p>
+            <a:pPr lvl="1"/>
+            <a:r>
+              <a:rPr lang="en-US" dirty="0" smtClean="0"/>
+              <a:t>or accessible through getters &amp; setters</a:t>
+            </a:r>
+          </a:p>
+          <a:p>
             <a:endParaRPr lang="en-US" dirty="0" smtClean="0"/>
           </a:p>
           <a:p>
-            <a:pPr lvl="1"/>
             <a:r>
               <a:rPr lang="en-US" dirty="0" smtClean="0"/>
-              <a:t>or accessible through getters </a:t>
-            </a:r>
-            <a:r>
-              <a:rPr lang="en-US" dirty="0" smtClean="0"/>
-              <a:t>&amp; </a:t>
-            </a:r>
-            <a:r>
-              <a:rPr lang="en-US" dirty="0" smtClean="0"/>
-              <a:t>setters</a:t>
-            </a:r>
-          </a:p>
-          <a:p>
-            <a:endParaRPr lang="en-US" dirty="0" smtClean="0"/>
-          </a:p>
-          <a:p>
-            <a:r>
-              <a:rPr lang="en-US" dirty="0" smtClean="0"/>
-              <a:t>Turn </a:t>
-            </a:r>
-            <a:r>
-              <a:rPr lang="en-US" dirty="0" smtClean="0"/>
-              <a:t>on logging to get messages why the system (</a:t>
+              <a:t>Turn on logging to get messages why the system (</a:t>
             </a:r>
             <a:r>
               <a:rPr lang="en-US" dirty="0" err="1" smtClean="0"/>

--- a/slides/flink_batch_advanced.pptx
+++ b/slides/flink_batch_advanced.pptx
@@ -929,6 +929,36 @@
           <a:xfrm>
             <a:off x="8022838" y="382257"/>
             <a:ext cx="663961" cy="660641"/>
+          </a:xfrm>
+          <a:prstGeom prst="rect">
+            <a:avLst/>
+          </a:prstGeom>
+        </p:spPr>
+      </p:pic>
+      <p:pic>
+        <p:nvPicPr>
+          <p:cNvPr id="7" name="Picture 6" descr="logo.png"/>
+          <p:cNvPicPr>
+            <a:picLocks noChangeAspect="1"/>
+          </p:cNvPicPr>
+          <p:nvPr userDrawn="1"/>
+        </p:nvPicPr>
+        <p:blipFill>
+          <a:blip r:embed="rId4">
+            <a:extLst>
+              <a:ext uri="{28A0092B-C50C-407E-A947-70E740481C1C}">
+                <a14:useLocalDpi xmlns:a14="http://schemas.microsoft.com/office/drawing/2010/main" val="0"/>
+              </a:ext>
+            </a:extLst>
+          </a:blip>
+          <a:stretch>
+            <a:fillRect/>
+          </a:stretch>
+        </p:blipFill>
+        <p:spPr>
+          <a:xfrm>
+            <a:off x="2728719" y="331587"/>
+            <a:ext cx="3695140" cy="577365"/>
           </a:xfrm>
           <a:prstGeom prst="rect">
             <a:avLst/>
@@ -4258,6 +4288,44 @@
           </a:p>
         </p:txBody>
       </p:sp>
+      <p:sp>
+        <p:nvSpPr>
+          <p:cNvPr id="4" name="TextBox 3"/>
+          <p:cNvSpPr txBox="1"/>
+          <p:nvPr/>
+        </p:nvSpPr>
+        <p:spPr>
+          <a:xfrm>
+            <a:off x="3819004" y="6226328"/>
+            <a:ext cx="1564363" cy="369332"/>
+          </a:xfrm>
+          <a:prstGeom prst="rect">
+            <a:avLst/>
+          </a:prstGeom>
+          <a:noFill/>
+        </p:spPr>
+        <p:txBody>
+          <a:bodyPr wrap="none" rtlCol="0">
+            <a:spAutoFit/>
+          </a:bodyPr>
+          <a:lstStyle/>
+          <a:p>
+            <a:r>
+              <a:rPr lang="en-US" dirty="0" smtClean="0">
+                <a:solidFill>
+                  <a:schemeClr val="bg1"/>
+                </a:solidFill>
+              </a:rPr>
+              <a:t>June 3rd, 2015</a:t>
+            </a:r>
+            <a:endParaRPr lang="en-US" dirty="0">
+              <a:solidFill>
+                <a:schemeClr val="bg1"/>
+              </a:solidFill>
+            </a:endParaRPr>
+          </a:p>
+        </p:txBody>
+      </p:sp>
     </p:spTree>
     <p:extLst>
       <p:ext uri="{BB962C8B-B14F-4D97-AF65-F5344CB8AC3E}">
@@ -4373,11 +4441,7 @@
             </a:r>
             <a:r>
               <a:rPr lang="en-US" dirty="0" smtClean="0"/>
-              <a:t>use &amp; </a:t>
-            </a:r>
-            <a:r>
-              <a:rPr lang="en-US" dirty="0" smtClean="0"/>
-              <a:t>developer </a:t>
+              <a:t>use &amp; developer </a:t>
             </a:r>
             <a:r>
               <a:rPr lang="en-US" dirty="0"/>
@@ -10509,14 +10573,7 @@
                 <a:latin typeface="Menlo Regular"/>
                 <a:cs typeface="Menlo Regular"/>
               </a:rPr>
-              <a:t>= </a:t>
-            </a:r>
-            <a:r>
-              <a:rPr lang="en-US" sz="2800" dirty="0" smtClean="0">
-                <a:latin typeface="Menlo Regular"/>
-                <a:cs typeface="Menlo Regular"/>
-              </a:rPr>
-              <a:t>…</a:t>
+              <a:t>= …</a:t>
             </a:r>
           </a:p>
           <a:p>
@@ -26105,14 +26162,7 @@
                 <a:latin typeface="Menlo Regular"/>
                 <a:cs typeface="Menlo Regular"/>
               </a:rPr>
-              <a:t>&gt;&gt; ds = …</a:t>
-            </a:r>
-            <a:r>
-              <a:rPr lang="en-US" sz="2000" dirty="0" smtClean="0">
-                <a:latin typeface="Menlo Regular"/>
-                <a:cs typeface="Menlo Regular"/>
-              </a:rPr>
-              <a:t>;</a:t>
+              <a:t>&gt;&gt; ds = …;</a:t>
             </a:r>
           </a:p>
           <a:p>
@@ -26182,14 +26232,7 @@
                 <a:latin typeface="Menlo Regular"/>
                 <a:cs typeface="Menlo Regular"/>
               </a:rPr>
-              <a:t>()</a:t>
-            </a:r>
-            <a:r>
-              <a:rPr lang="en-US" sz="2000" dirty="0" smtClean="0">
-                <a:latin typeface="Menlo Regular"/>
-                <a:cs typeface="Menlo Regular"/>
-              </a:rPr>
-              <a:t>;</a:t>
+              <a:t>();</a:t>
             </a:r>
           </a:p>
           <a:p>
@@ -26203,10 +26246,6 @@
               </a:rPr>
               <a:t>// convert data set to Table and give name to fields</a:t>
             </a:r>
-            <a:endParaRPr lang="en-US" sz="2000" dirty="0" smtClean="0">
-              <a:latin typeface="Menlo Regular"/>
-              <a:cs typeface="Menlo Regular"/>
-            </a:endParaRPr>
           </a:p>
           <a:p>
             <a:pPr marL="0" indent="0">
@@ -26781,7 +26820,6 @@
               <a:rPr lang="en-US" dirty="0" smtClean="0"/>
               <a:t>&lt;Row&gt;</a:t>
             </a:r>
-            <a:endParaRPr lang="en-US" dirty="0" smtClean="0"/>
           </a:p>
           <a:p>
             <a:r>

--- a/slides/flink_batch_advanced.pptx
+++ b/slides/flink_batch_advanced.pptx
@@ -163,7 +163,7 @@
   </p:defaultTextStyle>
   <p:extLst>
     <p:ext uri="{EFAFB233-063F-42B5-8137-9DF3F51BA10A}">
-      <p15:sldGuideLst xmlns:p15="http://schemas.microsoft.com/office/powerpoint/2012/main" xmlns="">
+      <p15:sldGuideLst xmlns="" xmlns:p15="http://schemas.microsoft.com/office/powerpoint/2012/main">
         <p15:guide id="1" orient="horz" pos="2160">
           <p15:clr>
             <a:srgbClr val="A4A3A4"/>
@@ -742,36 +742,6 @@
       </p:pic>
       <p:pic>
         <p:nvPicPr>
-          <p:cNvPr id="6" name="Picture 5" descr="avatar_emerald_200.png"/>
-          <p:cNvPicPr>
-            <a:picLocks noChangeAspect="1"/>
-          </p:cNvPicPr>
-          <p:nvPr userDrawn="1"/>
-        </p:nvPicPr>
-        <p:blipFill>
-          <a:blip r:embed="rId3" cstate="screen">
-            <a:extLst>
-              <a:ext uri="{28A0092B-C50C-407E-A947-70E740481C1C}">
-                <a14:useLocalDpi xmlns:a14="http://schemas.microsoft.com/office/drawing/2010/main"/>
-              </a:ext>
-            </a:extLst>
-          </a:blip>
-          <a:stretch>
-            <a:fillRect/>
-          </a:stretch>
-        </p:blipFill>
-        <p:spPr>
-          <a:xfrm>
-            <a:off x="8022838" y="382257"/>
-            <a:ext cx="663961" cy="660641"/>
-          </a:xfrm>
-          <a:prstGeom prst="rect">
-            <a:avLst/>
-          </a:prstGeom>
-        </p:spPr>
-      </p:pic>
-      <p:pic>
-        <p:nvPicPr>
           <p:cNvPr id="7" name="Picture 6" descr="logo.png"/>
           <p:cNvPicPr>
             <a:picLocks noChangeAspect="1"/>
@@ -779,7 +749,7 @@
           <p:nvPr userDrawn="1"/>
         </p:nvPicPr>
         <p:blipFill>
-          <a:blip r:embed="rId4">
+          <a:blip r:embed="rId3">
             <a:extLst>
               <a:ext uri="{28A0092B-C50C-407E-A947-70E740481C1C}">
                 <a14:useLocalDpi xmlns:a14="http://schemas.microsoft.com/office/drawing/2010/main" val="0"/>
@@ -8394,10 +8364,6 @@
               </a:rPr>
               <a:t>) {</a:t>
             </a:r>
-            <a:endParaRPr lang="en-US" sz="2000" dirty="0" smtClean="0">
-              <a:latin typeface="Menlo Regular"/>
-              <a:cs typeface="Menlo Regular"/>
-            </a:endParaRPr>
           </a:p>
           <a:p>
             <a:r>
@@ -10074,46 +10040,46 @@
                   </a:schemeClr>
                 </a:solidFill>
               </a:rPr>
-              <a:t>(recursive </a:t>
-            </a:r>
-            <a:r>
-              <a:rPr lang="en-US" sz="2800" dirty="0" smtClean="0">
+              <a:t>(recursive directory scans supported)</a:t>
+            </a:r>
+          </a:p>
+          <a:p>
+            <a:pPr lvl="1"/>
+            <a:r>
+              <a:rPr lang="en-US" dirty="0" err="1" smtClean="0"/>
+              <a:t>DelimitedInputFormat</a:t>
+            </a:r>
+            <a:endParaRPr lang="en-US" dirty="0" smtClean="0"/>
+          </a:p>
+          <a:p>
+            <a:pPr lvl="2"/>
+            <a:r>
+              <a:rPr lang="en-US" dirty="0" err="1" smtClean="0"/>
+              <a:t>TextInputFormat</a:t>
+            </a:r>
+            <a:r>
+              <a:rPr lang="en-US" dirty="0" smtClean="0"/>
+              <a:t> </a:t>
+            </a:r>
+            <a:r>
+              <a:rPr lang="en-US" dirty="0" smtClean="0">
                 <a:solidFill>
                   <a:schemeClr val="bg1">
                     <a:lumMod val="50000"/>
                   </a:schemeClr>
                 </a:solidFill>
               </a:rPr>
-              <a:t>directory </a:t>
-            </a:r>
-            <a:r>
-              <a:rPr lang="en-US" sz="2800" dirty="0" smtClean="0">
+              <a:t>(Reads text files </a:t>
+            </a:r>
+            <a:r>
+              <a:rPr lang="en-US" dirty="0" err="1" smtClean="0">
                 <a:solidFill>
                   <a:schemeClr val="bg1">
                     <a:lumMod val="50000"/>
                   </a:schemeClr>
                 </a:solidFill>
               </a:rPr>
-              <a:t>scans supported)</a:t>
-            </a:r>
-          </a:p>
-          <a:p>
-            <a:pPr lvl="1"/>
-            <a:r>
-              <a:rPr lang="en-US" dirty="0" err="1" smtClean="0"/>
-              <a:t>DelimitedInputFormat</a:t>
-            </a:r>
-            <a:endParaRPr lang="en-US" dirty="0" smtClean="0"/>
-          </a:p>
-          <a:p>
-            <a:pPr lvl="2"/>
-            <a:r>
-              <a:rPr lang="en-US" dirty="0" err="1" smtClean="0"/>
-              <a:t>TextInputFormat</a:t>
-            </a:r>
-            <a:r>
-              <a:rPr lang="en-US" dirty="0" smtClean="0"/>
-              <a:t> </a:t>
+              <a:t>linewise</a:t>
             </a:r>
             <a:r>
               <a:rPr lang="en-US" dirty="0" smtClean="0">
@@ -10123,7 +10089,19 @@
                   </a:schemeClr>
                 </a:solidFill>
               </a:rPr>
-              <a:t>(</a:t>
+              <a:t>)</a:t>
+            </a:r>
+            <a:endParaRPr lang="en-US" dirty="0" smtClean="0"/>
+          </a:p>
+          <a:p>
+            <a:pPr lvl="2"/>
+            <a:r>
+              <a:rPr lang="en-US" dirty="0" err="1" smtClean="0"/>
+              <a:t>CsvInputFormat</a:t>
+            </a:r>
+            <a:r>
+              <a:rPr lang="en-US" dirty="0" smtClean="0"/>
+              <a:t> </a:t>
             </a:r>
             <a:r>
               <a:rPr lang="en-US" dirty="0" smtClean="0">
@@ -10133,49 +10111,56 @@
                   </a:schemeClr>
                 </a:solidFill>
               </a:rPr>
-              <a:t>Reads </a:t>
-            </a:r>
-            <a:r>
-              <a:rPr lang="en-US" dirty="0" smtClean="0">
+              <a:t>(Reads field delimited files)</a:t>
+            </a:r>
+          </a:p>
+          <a:p>
+            <a:pPr lvl="1"/>
+            <a:r>
+              <a:rPr lang="en-US" dirty="0" err="1" smtClean="0"/>
+              <a:t>BinaryInputFormat</a:t>
+            </a:r>
+            <a:endParaRPr lang="en-US" dirty="0" smtClean="0"/>
+          </a:p>
+          <a:p>
+            <a:pPr lvl="1"/>
+            <a:r>
+              <a:rPr lang="en-US" dirty="0" err="1" smtClean="0"/>
+              <a:t>AvroInputFormat</a:t>
+            </a:r>
+            <a:r>
+              <a:rPr lang="en-US" dirty="0" smtClean="0"/>
+              <a:t> </a:t>
+            </a:r>
+            <a:r>
+              <a:rPr lang="en-US" dirty="0">
                 <a:solidFill>
                   <a:schemeClr val="bg1">
                     <a:lumMod val="50000"/>
                   </a:schemeClr>
                 </a:solidFill>
               </a:rPr>
-              <a:t>text files </a:t>
-            </a:r>
-            <a:r>
-              <a:rPr lang="en-US" dirty="0" err="1" smtClean="0">
+              <a:t>(</a:t>
+            </a:r>
+            <a:r>
+              <a:rPr lang="en-US" dirty="0" smtClean="0">
                 <a:solidFill>
                   <a:schemeClr val="bg1">
                     <a:lumMod val="50000"/>
                   </a:schemeClr>
                 </a:solidFill>
               </a:rPr>
-              <a:t>linewise</a:t>
-            </a:r>
-            <a:r>
-              <a:rPr lang="en-US" dirty="0" smtClean="0">
+              <a:t>Reads </a:t>
+            </a:r>
+            <a:r>
+              <a:rPr lang="en-US" dirty="0">
                 <a:solidFill>
                   <a:schemeClr val="bg1">
                     <a:lumMod val="50000"/>
                   </a:schemeClr>
                 </a:solidFill>
               </a:rPr>
-              <a:t>)</a:t>
-            </a:r>
-            <a:endParaRPr lang="en-US" dirty="0" smtClean="0"/>
-          </a:p>
-          <a:p>
-            <a:pPr lvl="2"/>
-            <a:r>
-              <a:rPr lang="en-US" dirty="0" err="1" smtClean="0"/>
-              <a:t>CsvInputFormat</a:t>
-            </a:r>
-            <a:r>
-              <a:rPr lang="en-US" dirty="0" smtClean="0"/>
-              <a:t> </a:t>
+              <a:t>Avro POJOs</a:t>
             </a:r>
             <a:r>
               <a:rPr lang="en-US" dirty="0" smtClean="0">
@@ -10185,160 +10170,51 @@
                   </a:schemeClr>
                 </a:solidFill>
               </a:rPr>
-              <a:t>(</a:t>
-            </a:r>
-            <a:r>
-              <a:rPr lang="en-US" dirty="0" smtClean="0">
+              <a:t>)</a:t>
+            </a:r>
+            <a:endParaRPr lang="en-US" dirty="0" smtClean="0"/>
+          </a:p>
+          <a:p>
+            <a:r>
+              <a:rPr lang="en-US" dirty="0" err="1" smtClean="0"/>
+              <a:t>JDBCInputFormat</a:t>
+            </a:r>
+            <a:r>
+              <a:rPr lang="en-US" dirty="0" smtClean="0"/>
+              <a:t> </a:t>
+            </a:r>
+            <a:r>
+              <a:rPr lang="en-US" sz="2800" dirty="0" smtClean="0">
                 <a:solidFill>
                   <a:schemeClr val="bg1">
                     <a:lumMod val="50000"/>
                   </a:schemeClr>
                 </a:solidFill>
               </a:rPr>
-              <a:t>Reads </a:t>
-            </a:r>
-            <a:r>
-              <a:rPr lang="en-US" dirty="0" smtClean="0">
+              <a:t>(Reads result of SQL query)</a:t>
+            </a:r>
+          </a:p>
+          <a:p>
+            <a:r>
+              <a:rPr lang="en-US" dirty="0" err="1" smtClean="0"/>
+              <a:t>HadoopInputFormat</a:t>
+            </a:r>
+            <a:r>
+              <a:rPr lang="en-US" dirty="0" smtClean="0"/>
+              <a:t>  </a:t>
+            </a:r>
+            <a:br>
+              <a:rPr lang="en-US" dirty="0" smtClean="0"/>
+            </a:br>
+            <a:r>
+              <a:rPr lang="en-US" sz="2800" dirty="0" smtClean="0">
                 <a:solidFill>
                   <a:schemeClr val="bg1">
                     <a:lumMod val="50000"/>
                   </a:schemeClr>
                 </a:solidFill>
               </a:rPr>
-              <a:t>field delimited files)</a:t>
-            </a:r>
-          </a:p>
-          <a:p>
-            <a:pPr lvl="1"/>
-            <a:r>
-              <a:rPr lang="en-US" dirty="0" err="1" smtClean="0"/>
-              <a:t>BinaryInputFormat</a:t>
-            </a:r>
-            <a:endParaRPr lang="en-US" dirty="0" smtClean="0"/>
-          </a:p>
-          <a:p>
-            <a:pPr lvl="1"/>
-            <a:r>
-              <a:rPr lang="en-US" dirty="0" err="1" smtClean="0"/>
-              <a:t>AvroInputFormat</a:t>
-            </a:r>
-            <a:r>
-              <a:rPr lang="en-US" dirty="0" smtClean="0"/>
-              <a:t> </a:t>
-            </a:r>
-            <a:r>
-              <a:rPr lang="en-US" dirty="0">
-                <a:solidFill>
-                  <a:schemeClr val="bg1">
-                    <a:lumMod val="50000"/>
-                  </a:schemeClr>
-                </a:solidFill>
-              </a:rPr>
-              <a:t>(</a:t>
-            </a:r>
-            <a:r>
-              <a:rPr lang="en-US" dirty="0" smtClean="0">
-                <a:solidFill>
-                  <a:schemeClr val="bg1">
-                    <a:lumMod val="50000"/>
-                  </a:schemeClr>
-                </a:solidFill>
-              </a:rPr>
-              <a:t>Reads </a:t>
-            </a:r>
-            <a:r>
-              <a:rPr lang="en-US" dirty="0">
-                <a:solidFill>
-                  <a:schemeClr val="bg1">
-                    <a:lumMod val="50000"/>
-                  </a:schemeClr>
-                </a:solidFill>
-              </a:rPr>
-              <a:t>Avro POJOs</a:t>
-            </a:r>
-            <a:r>
-              <a:rPr lang="en-US" dirty="0" smtClean="0">
-                <a:solidFill>
-                  <a:schemeClr val="bg1">
-                    <a:lumMod val="50000"/>
-                  </a:schemeClr>
-                </a:solidFill>
-              </a:rPr>
-              <a:t>)</a:t>
-            </a:r>
-            <a:endParaRPr lang="en-US" dirty="0" smtClean="0"/>
-          </a:p>
-          <a:p>
-            <a:r>
-              <a:rPr lang="en-US" dirty="0" err="1" smtClean="0"/>
-              <a:t>JDBCInputFormat</a:t>
-            </a:r>
-            <a:r>
-              <a:rPr lang="en-US" dirty="0" smtClean="0"/>
-              <a:t> </a:t>
-            </a:r>
-            <a:r>
-              <a:rPr lang="en-US" sz="2800" dirty="0" smtClean="0">
-                <a:solidFill>
-                  <a:schemeClr val="bg1">
-                    <a:lumMod val="50000"/>
-                  </a:schemeClr>
-                </a:solidFill>
-              </a:rPr>
-              <a:t>(</a:t>
-            </a:r>
-            <a:r>
-              <a:rPr lang="en-US" sz="2800" dirty="0" smtClean="0">
-                <a:solidFill>
-                  <a:schemeClr val="bg1">
-                    <a:lumMod val="50000"/>
-                  </a:schemeClr>
-                </a:solidFill>
-              </a:rPr>
-              <a:t>Reads </a:t>
-            </a:r>
-            <a:r>
-              <a:rPr lang="en-US" sz="2800" dirty="0" smtClean="0">
-                <a:solidFill>
-                  <a:schemeClr val="bg1">
-                    <a:lumMod val="50000"/>
-                  </a:schemeClr>
-                </a:solidFill>
-              </a:rPr>
-              <a:t>result of SQL query)</a:t>
-            </a:r>
-          </a:p>
-          <a:p>
-            <a:r>
-              <a:rPr lang="en-US" dirty="0" err="1" smtClean="0"/>
-              <a:t>HadoopInputFormat</a:t>
-            </a:r>
-            <a:r>
-              <a:rPr lang="en-US" dirty="0" smtClean="0"/>
-              <a:t>  </a:t>
-            </a:r>
-            <a:br>
-              <a:rPr lang="en-US" dirty="0" smtClean="0"/>
-            </a:br>
-            <a:r>
-              <a:rPr lang="en-US" sz="2800" dirty="0" smtClean="0">
-                <a:solidFill>
-                  <a:schemeClr val="bg1">
-                    <a:lumMod val="50000"/>
-                  </a:schemeClr>
-                </a:solidFill>
-              </a:rPr>
-              <a:t>(Wraps </a:t>
-            </a:r>
-            <a:r>
-              <a:rPr lang="en-US" sz="2800" dirty="0" smtClean="0">
-                <a:solidFill>
-                  <a:schemeClr val="bg1">
-                    <a:lumMod val="50000"/>
-                  </a:schemeClr>
-                </a:solidFill>
-              </a:rPr>
-              <a:t>any Hadoop </a:t>
+              <a:t>(Wraps any Hadoop </a:t>
             </a:r>
             <a:r>
               <a:rPr lang="en-US" sz="2800" dirty="0" err="1" smtClean="0">
@@ -10806,17 +10682,7 @@
                 <a:latin typeface="Menlo Regular"/>
                 <a:cs typeface="Menlo Regular"/>
               </a:rPr>
-              <a:t>/</a:t>
-            </a:r>
-            <a:r>
-              <a:rPr lang="en-US" sz="2800" dirty="0" smtClean="0">
-                <a:solidFill>
-                  <a:srgbClr val="7F7F7F"/>
-                </a:solidFill>
-                <a:latin typeface="Menlo Regular"/>
-                <a:cs typeface="Menlo Regular"/>
-              </a:rPr>
-              <a:t>/ read CSV file</a:t>
+              <a:t>// read CSV file</a:t>
             </a:r>
           </a:p>
           <a:p>
@@ -10862,17 +10728,7 @@
                 <a:latin typeface="Menlo Regular"/>
                 <a:cs typeface="Menlo Regular"/>
               </a:rPr>
-              <a:t>/</a:t>
-            </a:r>
-            <a:r>
-              <a:rPr lang="en-US" sz="2800" dirty="0" smtClean="0">
-                <a:solidFill>
-                  <a:srgbClr val="7F7F7F"/>
-                </a:solidFill>
-                <a:latin typeface="Menlo Regular"/>
-                <a:cs typeface="Menlo Regular"/>
-              </a:rPr>
-              <a:t>/ read file with Hadoop </a:t>
+              <a:t>// read file with Hadoop </a:t>
             </a:r>
             <a:r>
               <a:rPr lang="en-US" sz="2800" dirty="0" err="1" smtClean="0">
@@ -10935,17 +10791,7 @@
                 <a:latin typeface="Menlo Regular"/>
                 <a:cs typeface="Menlo Regular"/>
               </a:rPr>
-              <a:t>/</a:t>
-            </a:r>
-            <a:r>
-              <a:rPr lang="en-US" sz="2800" dirty="0" smtClean="0">
-                <a:solidFill>
-                  <a:srgbClr val="7F7F7F"/>
-                </a:solidFill>
-                <a:latin typeface="Menlo Regular"/>
-                <a:cs typeface="Menlo Regular"/>
-              </a:rPr>
-              <a:t>/ use regular Hadoop </a:t>
+              <a:t>// use regular Hadoop </a:t>
             </a:r>
             <a:r>
               <a:rPr lang="en-US" sz="2800" dirty="0" err="1" smtClean="0">
@@ -10988,14 +10834,7 @@
                 <a:latin typeface="Menlo Regular"/>
                 <a:cs typeface="Menlo Regular"/>
               </a:rPr>
-              <a:t>(…)</a:t>
-            </a:r>
-            <a:r>
-              <a:rPr lang="en-US" sz="2800" dirty="0" smtClean="0">
-                <a:latin typeface="Menlo Regular"/>
-                <a:cs typeface="Menlo Regular"/>
-              </a:rPr>
-              <a:t>;</a:t>
+              <a:t>(…);</a:t>
             </a:r>
           </a:p>
           <a:p>
@@ -11324,7 +11163,6 @@
               <a:rPr lang="en-US" dirty="0" smtClean="0"/>
               <a:t>, Join</a:t>
             </a:r>
-            <a:endParaRPr lang="en-US" dirty="0" smtClean="0"/>
           </a:p>
           <a:p>
             <a:pPr fontAlgn="base"/>
@@ -12932,37 +12770,17 @@
                 <a:latin typeface="Menlo Regular"/>
                 <a:cs typeface="Menlo Regular"/>
               </a:rPr>
-              <a:t>Long</a:t>
-            </a:r>
-            <a:r>
-              <a:rPr lang="en-US" sz="1800" b="1" dirty="0" err="1" smtClean="0">
+              <a:t>Long,String</a:t>
+            </a:r>
+            <a:r>
+              <a:rPr lang="en-US" sz="1800" b="1" dirty="0" smtClean="0">
                 <a:solidFill>
                   <a:srgbClr val="000000"/>
                 </a:solidFill>
                 <a:latin typeface="Menlo Regular"/>
                 <a:cs typeface="Menlo Regular"/>
               </a:rPr>
-              <a:t>,String</a:t>
-            </a:r>
-            <a:r>
-              <a:rPr lang="en-US" sz="1800" b="1" dirty="0" smtClean="0">
-                <a:solidFill>
-                  <a:srgbClr val="000000"/>
-                </a:solidFill>
-                <a:latin typeface="Menlo Regular"/>
-                <a:cs typeface="Menlo Regular"/>
-              </a:rPr>
-              <a:t>&gt;</a:t>
-            </a:r>
-            <a:r>
-              <a:rPr lang="en-US" sz="1800" b="1" dirty="0" smtClean="0">
-                <a:solidFill>
-                  <a:srgbClr val="000000"/>
-                </a:solidFill>
-                <a:latin typeface="Menlo Regular"/>
-                <a:cs typeface="Menlo Regular"/>
-              </a:rPr>
-              <a:t>&gt; </a:t>
+              <a:t>&gt;&gt; </a:t>
             </a:r>
             <a:r>
               <a:rPr lang="en-US" sz="1800" dirty="0" smtClean="0">
@@ -13220,16 +13038,6 @@
               </a:rPr>
               <a:t>implements    </a:t>
             </a:r>
-            <a:r>
-              <a:rPr lang="en-US" sz="1800" b="1" dirty="0" smtClean="0">
-                <a:solidFill>
-                  <a:srgbClr val="000000"/>
-                </a:solidFill>
-                <a:latin typeface="Menlo Regular"/>
-                <a:cs typeface="Menlo Regular"/>
-              </a:rPr>
-              <a:t/>
-            </a:r>
             <a:br>
               <a:rPr lang="en-US" sz="1800" b="1" dirty="0" smtClean="0">
                 <a:solidFill>
@@ -13267,17 +13075,7 @@
                 <a:latin typeface="Menlo Regular"/>
                 <a:cs typeface="Menlo Regular"/>
               </a:rPr>
-              <a:t>Long</a:t>
-            </a:r>
-            <a:r>
-              <a:rPr lang="en-US" sz="1800" dirty="0" err="1" smtClean="0">
-                <a:solidFill>
-                  <a:srgbClr val="000000"/>
-                </a:solidFill>
-                <a:latin typeface="Menlo Regular"/>
-                <a:cs typeface="Menlo Regular"/>
-              </a:rPr>
-              <a:t>,String</a:t>
+              <a:t>Long,String</a:t>
             </a:r>
             <a:r>
               <a:rPr lang="en-US" sz="1800" dirty="0" smtClean="0">
@@ -13344,17 +13142,7 @@
                 <a:latin typeface="Menlo Regular"/>
                 <a:cs typeface="Menlo Regular"/>
               </a:rPr>
-              <a:t> </a:t>
-            </a:r>
-            <a:r>
-              <a:rPr lang="en-US" sz="1800" dirty="0" smtClean="0">
-                <a:solidFill>
-                  <a:srgbClr val="000000"/>
-                </a:solidFill>
-                <a:latin typeface="Menlo Regular"/>
-                <a:cs typeface="Menlo Regular"/>
-              </a:rPr>
-              <a:t>@</a:t>
+              <a:t> @</a:t>
             </a:r>
             <a:r>
               <a:rPr lang="en-US" sz="1800" dirty="0">
@@ -13573,17 +13361,7 @@
                 <a:latin typeface="Menlo Regular"/>
                 <a:cs typeface="Menlo Regular"/>
               </a:rPr>
-              <a:t>	</a:t>
-            </a:r>
-            <a:r>
-              <a:rPr lang="en-US" sz="1800" dirty="0">
-                <a:solidFill>
-                  <a:srgbClr val="000000"/>
-                </a:solidFill>
-                <a:latin typeface="Menlo Regular"/>
-                <a:cs typeface="Menlo Regular"/>
-              </a:rPr>
-              <a:t> </a:t>
+              <a:t>	 </a:t>
             </a:r>
             <a:r>
               <a:rPr lang="en-US" sz="1800" dirty="0" smtClean="0">
@@ -13628,37 +13406,17 @@
                 <a:latin typeface="Menlo Regular"/>
                 <a:cs typeface="Menlo Regular"/>
               </a:rPr>
-              <a:t>	</a:t>
-            </a:r>
-            <a:r>
-              <a:rPr lang="en-US" sz="1800" dirty="0">
+              <a:t>	 </a:t>
+            </a:r>
+            <a:r>
+              <a:rPr lang="en-US" sz="1800" dirty="0" smtClean="0">
                 <a:solidFill>
                   <a:srgbClr val="000000"/>
                 </a:solidFill>
                 <a:latin typeface="Menlo Regular"/>
                 <a:cs typeface="Menlo Regular"/>
               </a:rPr>
-              <a:t> </a:t>
-            </a:r>
-            <a:r>
-              <a:rPr lang="en-US" sz="1800" dirty="0" smtClean="0">
-                <a:solidFill>
-                  <a:srgbClr val="000000"/>
-                </a:solidFill>
-                <a:latin typeface="Menlo Regular"/>
-                <a:cs typeface="Menlo Regular"/>
-              </a:rPr>
-              <a:t>  </a:t>
-            </a:r>
-            <a:r>
-              <a:rPr lang="en-US" sz="1800" dirty="0" smtClean="0">
-                <a:solidFill>
-                  <a:srgbClr val="000000"/>
-                </a:solidFill>
-                <a:latin typeface="Menlo Regular"/>
-                <a:cs typeface="Menlo Regular"/>
-              </a:rPr>
-              <a:t>}</a:t>
+              <a:t>  }</a:t>
             </a:r>
           </a:p>
           <a:p>
@@ -13683,25 +13441,8 @@
                 <a:latin typeface="Menlo Regular"/>
                 <a:cs typeface="Menlo Regular"/>
               </a:rPr>
-              <a:t>	</a:t>
-            </a:r>
-            <a:r>
-              <a:rPr lang="en-US" sz="1800" dirty="0" smtClean="0">
-                <a:solidFill>
-                  <a:srgbClr val="000000"/>
-                </a:solidFill>
-                <a:latin typeface="Menlo Regular"/>
-                <a:cs typeface="Menlo Regular"/>
-              </a:rPr>
-              <a:t> }</a:t>
-            </a:r>
-            <a:endParaRPr lang="en-US" sz="1800" dirty="0" smtClean="0">
-              <a:solidFill>
-                <a:srgbClr val="000000"/>
-              </a:solidFill>
-              <a:latin typeface="Menlo Regular"/>
-              <a:cs typeface="Menlo Regular"/>
-            </a:endParaRPr>
+              <a:t>	 }</a:t>
+            </a:r>
           </a:p>
           <a:p>
             <a:pPr marL="0" indent="0">
@@ -17545,11 +17286,7 @@
           <a:p>
             <a:r>
               <a:rPr lang="en-US" dirty="0" smtClean="0"/>
-              <a:t>Further API </a:t>
-            </a:r>
-            <a:r>
-              <a:rPr lang="en-US" dirty="0" smtClean="0"/>
-              <a:t>Concepts</a:t>
+              <a:t>Further API Concepts</a:t>
             </a:r>
             <a:endParaRPr lang="en-US" dirty="0"/>
           </a:p>
@@ -19736,11 +19473,7 @@
           <a:p>
             <a:r>
               <a:rPr lang="en-US" sz="2800" dirty="0" smtClean="0"/>
-              <a:t>Easily </a:t>
-            </a:r>
-            <a:r>
-              <a:rPr lang="en-US" sz="2800" dirty="0" smtClean="0"/>
-              <a:t>customizable</a:t>
+              <a:t>Easily customizable</a:t>
             </a:r>
             <a:endParaRPr lang="en-US" sz="2800" dirty="0"/>
           </a:p>
@@ -21624,11 +21357,7 @@
           <a:p>
             <a:r>
               <a:rPr lang="en-US" sz="2800" dirty="0" smtClean="0"/>
-              <a:t>Accumulators are available </a:t>
-            </a:r>
-            <a:r>
-              <a:rPr lang="en-US" sz="2800" dirty="0" smtClean="0"/>
-              <a:t>via </a:t>
+              <a:t>Accumulators are available via </a:t>
             </a:r>
             <a:r>
               <a:rPr lang="en-US" sz="2800" dirty="0" err="1" smtClean="0"/>
@@ -21676,7 +21405,6 @@
               <a:rPr lang="en-US" sz="2800" dirty="0" smtClean="0"/>
               <a:t>Accumulators are displayed </a:t>
             </a:r>
-            <a:endParaRPr lang="en-US" sz="2800" dirty="0" smtClean="0"/>
           </a:p>
           <a:p>
             <a:pPr lvl="1"/>
@@ -23726,14 +23454,7 @@
                 <a:latin typeface="Menlo Regular"/>
                 <a:cs typeface="Menlo Regular"/>
               </a:rPr>
-              <a:t>&gt;&gt; ds = …</a:t>
-            </a:r>
-            <a:r>
-              <a:rPr lang="en-US" sz="2000" dirty="0" smtClean="0">
-                <a:latin typeface="Menlo Regular"/>
-                <a:cs typeface="Menlo Regular"/>
-              </a:rPr>
-              <a:t>;</a:t>
+              <a:t>&gt;&gt; ds = …;</a:t>
             </a:r>
           </a:p>
           <a:p>
@@ -23812,14 +23533,7 @@
                 <a:latin typeface="Menlo Regular"/>
                 <a:cs typeface="Menlo Regular"/>
               </a:rPr>
-              <a:t>()</a:t>
-            </a:r>
-            <a:r>
-              <a:rPr lang="en-US" sz="2000" dirty="0" smtClean="0">
-                <a:latin typeface="Menlo Regular"/>
-                <a:cs typeface="Menlo Regular"/>
-              </a:rPr>
-              <a:t>;</a:t>
+              <a:t>();</a:t>
             </a:r>
           </a:p>
           <a:p>
@@ -24016,19 +23730,7 @@
           <a:p>
             <a:r>
               <a:rPr lang="en-US" sz="3800" dirty="0" smtClean="0"/>
-              <a:t>Convert to </a:t>
-            </a:r>
-            <a:r>
-              <a:rPr lang="en-US" sz="3800" dirty="0" smtClean="0"/>
-              <a:t>custom POJO </a:t>
-            </a:r>
-            <a:r>
-              <a:rPr lang="en-US" sz="3800" dirty="0" smtClean="0"/>
-              <a:t>data </a:t>
-            </a:r>
-            <a:r>
-              <a:rPr lang="en-US" sz="3800" dirty="0" smtClean="0"/>
-              <a:t>set</a:t>
+              <a:t>Convert to custom POJO data set</a:t>
             </a:r>
           </a:p>
           <a:p>
@@ -24041,7 +23743,6 @@
               <a:rPr lang="en-US" sz="3400" dirty="0" smtClean="0"/>
               <a:t> fields must map to Table fields</a:t>
             </a:r>
-            <a:endParaRPr lang="en-US" sz="3400" dirty="0" smtClean="0"/>
           </a:p>
           <a:p>
             <a:pPr marL="0" indent="0">
@@ -24180,14 +23881,7 @@
                 <a:latin typeface="Menlo Regular"/>
                 <a:cs typeface="Menlo Regular"/>
               </a:rPr>
-              <a:t>(“name, count, price”)</a:t>
-            </a:r>
-            <a:r>
-              <a:rPr lang="en-US" sz="2600" dirty="0" smtClean="0">
-                <a:latin typeface="Menlo Regular"/>
-                <a:cs typeface="Menlo Regular"/>
-              </a:rPr>
-              <a:t>;</a:t>
+              <a:t>(“name, count, price”);</a:t>
             </a:r>
           </a:p>
           <a:p>

--- a/slides/flink_batch_advanced.pptx
+++ b/slides/flink_batch_advanced.pptx
@@ -151,7 +151,7 @@
   </p:defaultTextStyle>
   <p:extLst>
     <p:ext uri="{EFAFB233-063F-42B5-8137-9DF3F51BA10A}">
-      <p15:sldGuideLst xmlns="" xmlns:p15="http://schemas.microsoft.com/office/powerpoint/2012/main">
+      <p15:sldGuideLst xmlns:p15="http://schemas.microsoft.com/office/powerpoint/2012/main" xmlns="">
         <p15:guide id="1" orient="horz" pos="2160">
           <p15:clr>
             <a:srgbClr val="A4A3A4"/>
@@ -4111,27 +4111,7 @@
                 <a:latin typeface="Avenir Next Regular"/>
                 <a:cs typeface="Avenir Next Regular"/>
               </a:rPr>
-              <a:t>June </a:t>
-            </a:r>
-            <a:r>
-              <a:rPr lang="en-US" dirty="0" smtClean="0">
-                <a:solidFill>
-                  <a:schemeClr val="bg1"/>
-                </a:solidFill>
-                <a:latin typeface="Avenir Next Regular"/>
-                <a:cs typeface="Avenir Next Regular"/>
-              </a:rPr>
-              <a:t>15th, </a:t>
-            </a:r>
-            <a:r>
-              <a:rPr lang="en-US" dirty="0" smtClean="0">
-                <a:solidFill>
-                  <a:schemeClr val="bg1"/>
-                </a:solidFill>
-                <a:latin typeface="Avenir Next Regular"/>
-                <a:cs typeface="Avenir Next Regular"/>
-              </a:rPr>
-              <a:t>2015</a:t>
+              <a:t>June 15th, 2015</a:t>
             </a:r>
             <a:endParaRPr lang="en-US" dirty="0">
               <a:solidFill>
@@ -12189,15 +12169,7 @@
           <a:p>
             <a:r>
               <a:rPr lang="en-US" dirty="0" smtClean="0"/>
-              <a:t>Apache </a:t>
-            </a:r>
-            <a:r>
-              <a:rPr lang="en-US" dirty="0" err="1" smtClean="0"/>
-              <a:t>Flink’s</a:t>
-            </a:r>
-            <a:r>
-              <a:rPr lang="en-US" dirty="0" smtClean="0"/>
-              <a:t> Type System</a:t>
+              <a:t>Type System and Keys</a:t>
             </a:r>
             <a:endParaRPr lang="en-US" dirty="0"/>
           </a:p>
@@ -16182,11 +16154,7 @@
           <a:p>
             <a:r>
               <a:rPr lang="en-US" dirty="0" smtClean="0"/>
-              <a:t>Flink aims to support </a:t>
-            </a:r>
-            <a:r>
-              <a:rPr lang="en-US" dirty="0" smtClean="0"/>
-              <a:t>all data types</a:t>
+              <a:t>Flink aims to support all data types</a:t>
             </a:r>
           </a:p>
           <a:p>
@@ -16195,7 +16163,6 @@
               <a:rPr lang="en-US" dirty="0" smtClean="0"/>
               <a:t>Ease of programming</a:t>
             </a:r>
-            <a:endParaRPr lang="en-US" dirty="0" smtClean="0"/>
           </a:p>
           <a:p>
             <a:pPr lvl="1"/>
@@ -18607,7 +18574,6 @@
               <a:rPr lang="en-US" dirty="0" smtClean="0"/>
               <a:t>Key types must be comparable</a:t>
             </a:r>
-            <a:endParaRPr lang="en-US" dirty="0" smtClean="0"/>
           </a:p>
           <a:p>
             <a:endParaRPr lang="en-US" dirty="0" smtClean="0"/>
